--- a/UC10/Modelagem de dados.pptx
+++ b/UC10/Modelagem de dados.pptx
@@ -23,6 +23,7 @@
     <p:sldId id="271" r:id="rId17"/>
     <p:sldId id="272" r:id="rId18"/>
     <p:sldId id="273" r:id="rId19"/>
+    <p:sldId id="274" r:id="rId20"/>
   </p:sldIdLst>
   <p:sldSz cx="12192000" cy="6858000"/>
   <p:notesSz cx="6858000" cy="9144000"/>
@@ -13515,8 +13516,8 @@
           </a:p>
         </p:txBody>
       </p:sp>
-      <mc:AlternateContent xmlns:mc="http://schemas.openxmlformats.org/markup-compatibility/2006">
-        <mc:Choice xmlns:p14="http://schemas.microsoft.com/office/powerpoint/2010/main" Requires="p14">
+      <mc:AlternateContent xmlns:mc="http://schemas.openxmlformats.org/markup-compatibility/2006" xmlns:p14="http://schemas.microsoft.com/office/powerpoint/2010/main">
+        <mc:Choice Requires="p14">
           <p:contentPart p14:bwMode="auto" r:id="rId2">
             <p14:nvContentPartPr>
               <p14:cNvPr id="13" name="Tinta 12">
@@ -13535,7 +13536,7 @@
             </p14:xfrm>
           </p:contentPart>
         </mc:Choice>
-        <mc:Fallback>
+        <mc:Fallback xmlns="">
           <p:pic>
             <p:nvPicPr>
               <p:cNvPr id="13" name="Tinta 12">
@@ -13566,8 +13567,8 @@
           </p:pic>
         </mc:Fallback>
       </mc:AlternateContent>
-      <mc:AlternateContent xmlns:mc="http://schemas.openxmlformats.org/markup-compatibility/2006">
-        <mc:Choice xmlns:p14="http://schemas.microsoft.com/office/powerpoint/2010/main" Requires="p14">
+      <mc:AlternateContent xmlns:mc="http://schemas.openxmlformats.org/markup-compatibility/2006" xmlns:p14="http://schemas.microsoft.com/office/powerpoint/2010/main">
+        <mc:Choice Requires="p14">
           <p:contentPart p14:bwMode="auto" r:id="rId4">
             <p14:nvContentPartPr>
               <p14:cNvPr id="14" name="Tinta 13">
@@ -13586,7 +13587,7 @@
             </p14:xfrm>
           </p:contentPart>
         </mc:Choice>
-        <mc:Fallback>
+        <mc:Fallback xmlns="">
           <p:pic>
             <p:nvPicPr>
               <p:cNvPr id="14" name="Tinta 13">
@@ -13617,8 +13618,8 @@
           </p:pic>
         </mc:Fallback>
       </mc:AlternateContent>
-      <mc:AlternateContent xmlns:mc="http://schemas.openxmlformats.org/markup-compatibility/2006">
-        <mc:Choice xmlns:p14="http://schemas.microsoft.com/office/powerpoint/2010/main" Requires="p14">
+      <mc:AlternateContent xmlns:mc="http://schemas.openxmlformats.org/markup-compatibility/2006" xmlns:p14="http://schemas.microsoft.com/office/powerpoint/2010/main">
+        <mc:Choice Requires="p14">
           <p:contentPart p14:bwMode="auto" r:id="rId6">
             <p14:nvContentPartPr>
               <p14:cNvPr id="15" name="Tinta 14">
@@ -13637,7 +13638,7 @@
             </p14:xfrm>
           </p:contentPart>
         </mc:Choice>
-        <mc:Fallback>
+        <mc:Fallback xmlns="">
           <p:pic>
             <p:nvPicPr>
               <p:cNvPr id="15" name="Tinta 14">
@@ -13668,8 +13669,8 @@
           </p:pic>
         </mc:Fallback>
       </mc:AlternateContent>
-      <mc:AlternateContent xmlns:mc="http://schemas.openxmlformats.org/markup-compatibility/2006">
-        <mc:Choice xmlns:p14="http://schemas.microsoft.com/office/powerpoint/2010/main" Requires="p14">
+      <mc:AlternateContent xmlns:mc="http://schemas.openxmlformats.org/markup-compatibility/2006" xmlns:p14="http://schemas.microsoft.com/office/powerpoint/2010/main">
+        <mc:Choice Requires="p14">
           <p:contentPart p14:bwMode="auto" r:id="rId8">
             <p14:nvContentPartPr>
               <p14:cNvPr id="16" name="Tinta 15">
@@ -13688,7 +13689,7 @@
             </p14:xfrm>
           </p:contentPart>
         </mc:Choice>
-        <mc:Fallback>
+        <mc:Fallback xmlns="">
           <p:pic>
             <p:nvPicPr>
               <p:cNvPr id="16" name="Tinta 15">
@@ -13719,8 +13720,8 @@
           </p:pic>
         </mc:Fallback>
       </mc:AlternateContent>
-      <mc:AlternateContent xmlns:mc="http://schemas.openxmlformats.org/markup-compatibility/2006">
-        <mc:Choice xmlns:p14="http://schemas.microsoft.com/office/powerpoint/2010/main" Requires="p14">
+      <mc:AlternateContent xmlns:mc="http://schemas.openxmlformats.org/markup-compatibility/2006" xmlns:p14="http://schemas.microsoft.com/office/powerpoint/2010/main">
+        <mc:Choice Requires="p14">
           <p:contentPart p14:bwMode="auto" r:id="rId10">
             <p14:nvContentPartPr>
               <p14:cNvPr id="17" name="Tinta 16">
@@ -13739,7 +13740,7 @@
             </p14:xfrm>
           </p:contentPart>
         </mc:Choice>
-        <mc:Fallback>
+        <mc:Fallback xmlns="">
           <p:pic>
             <p:nvPicPr>
               <p:cNvPr id="17" name="Tinta 16">
@@ -13770,8 +13771,8 @@
           </p:pic>
         </mc:Fallback>
       </mc:AlternateContent>
-      <mc:AlternateContent xmlns:mc="http://schemas.openxmlformats.org/markup-compatibility/2006">
-        <mc:Choice xmlns:p14="http://schemas.microsoft.com/office/powerpoint/2010/main" Requires="p14">
+      <mc:AlternateContent xmlns:mc="http://schemas.openxmlformats.org/markup-compatibility/2006" xmlns:p14="http://schemas.microsoft.com/office/powerpoint/2010/main">
+        <mc:Choice Requires="p14">
           <p:contentPart p14:bwMode="auto" r:id="rId12">
             <p14:nvContentPartPr>
               <p14:cNvPr id="18" name="Tinta 17">
@@ -13790,7 +13791,7 @@
             </p14:xfrm>
           </p:contentPart>
         </mc:Choice>
-        <mc:Fallback>
+        <mc:Fallback xmlns="">
           <p:pic>
             <p:nvPicPr>
               <p:cNvPr id="18" name="Tinta 17">
@@ -13821,8 +13822,8 @@
           </p:pic>
         </mc:Fallback>
       </mc:AlternateContent>
-      <mc:AlternateContent xmlns:mc="http://schemas.openxmlformats.org/markup-compatibility/2006">
-        <mc:Choice xmlns:p14="http://schemas.microsoft.com/office/powerpoint/2010/main" Requires="p14">
+      <mc:AlternateContent xmlns:mc="http://schemas.openxmlformats.org/markup-compatibility/2006" xmlns:p14="http://schemas.microsoft.com/office/powerpoint/2010/main">
+        <mc:Choice Requires="p14">
           <p:contentPart p14:bwMode="auto" r:id="rId14">
             <p14:nvContentPartPr>
               <p14:cNvPr id="24" name="Tinta 23">
@@ -13841,7 +13842,7 @@
             </p14:xfrm>
           </p:contentPart>
         </mc:Choice>
-        <mc:Fallback>
+        <mc:Fallback xmlns="">
           <p:pic>
             <p:nvPicPr>
               <p:cNvPr id="24" name="Tinta 23">
@@ -13872,8 +13873,8 @@
           </p:pic>
         </mc:Fallback>
       </mc:AlternateContent>
-      <mc:AlternateContent xmlns:mc="http://schemas.openxmlformats.org/markup-compatibility/2006">
-        <mc:Choice xmlns:p14="http://schemas.microsoft.com/office/powerpoint/2010/main" Requires="p14">
+      <mc:AlternateContent xmlns:mc="http://schemas.openxmlformats.org/markup-compatibility/2006" xmlns:p14="http://schemas.microsoft.com/office/powerpoint/2010/main">
+        <mc:Choice Requires="p14">
           <p:contentPart p14:bwMode="auto" r:id="rId16">
             <p14:nvContentPartPr>
               <p14:cNvPr id="25" name="Tinta 24">
@@ -13892,7 +13893,7 @@
             </p14:xfrm>
           </p:contentPart>
         </mc:Choice>
-        <mc:Fallback>
+        <mc:Fallback xmlns="">
           <p:pic>
             <p:nvPicPr>
               <p:cNvPr id="25" name="Tinta 24">
@@ -13972,8 +13973,8 @@
           </a:p>
         </p:txBody>
       </p:sp>
-      <mc:AlternateContent xmlns:mc="http://schemas.openxmlformats.org/markup-compatibility/2006">
-        <mc:Choice xmlns:p14="http://schemas.microsoft.com/office/powerpoint/2010/main" Requires="p14">
+      <mc:AlternateContent xmlns:mc="http://schemas.openxmlformats.org/markup-compatibility/2006" xmlns:p14="http://schemas.microsoft.com/office/powerpoint/2010/main">
+        <mc:Choice Requires="p14">
           <p:contentPart p14:bwMode="auto" r:id="rId18">
             <p14:nvContentPartPr>
               <p14:cNvPr id="38" name="Tinta 37">
@@ -13992,7 +13993,7 @@
             </p14:xfrm>
           </p:contentPart>
         </mc:Choice>
-        <mc:Fallback>
+        <mc:Fallback xmlns="">
           <p:pic>
             <p:nvPicPr>
               <p:cNvPr id="38" name="Tinta 37">
@@ -14023,8 +14024,8 @@
           </p:pic>
         </mc:Fallback>
       </mc:AlternateContent>
-      <mc:AlternateContent xmlns:mc="http://schemas.openxmlformats.org/markup-compatibility/2006">
-        <mc:Choice xmlns:p14="http://schemas.microsoft.com/office/powerpoint/2010/main" Requires="p14">
+      <mc:AlternateContent xmlns:mc="http://schemas.openxmlformats.org/markup-compatibility/2006" xmlns:p14="http://schemas.microsoft.com/office/powerpoint/2010/main">
+        <mc:Choice Requires="p14">
           <p:contentPart p14:bwMode="auto" r:id="rId20">
             <p14:nvContentPartPr>
               <p14:cNvPr id="40" name="Tinta 39">
@@ -14043,7 +14044,7 @@
             </p14:xfrm>
           </p:contentPart>
         </mc:Choice>
-        <mc:Fallback>
+        <mc:Fallback xmlns="">
           <p:pic>
             <p:nvPicPr>
               <p:cNvPr id="40" name="Tinta 39">
@@ -14074,8 +14075,8 @@
           </p:pic>
         </mc:Fallback>
       </mc:AlternateContent>
-      <mc:AlternateContent xmlns:mc="http://schemas.openxmlformats.org/markup-compatibility/2006">
-        <mc:Choice xmlns:p14="http://schemas.microsoft.com/office/powerpoint/2010/main" Requires="p14">
+      <mc:AlternateContent xmlns:mc="http://schemas.openxmlformats.org/markup-compatibility/2006" xmlns:p14="http://schemas.microsoft.com/office/powerpoint/2010/main">
+        <mc:Choice Requires="p14">
           <p:contentPart p14:bwMode="auto" r:id="rId22">
             <p14:nvContentPartPr>
               <p14:cNvPr id="41" name="Tinta 40">
@@ -14094,7 +14095,7 @@
             </p14:xfrm>
           </p:contentPart>
         </mc:Choice>
-        <mc:Fallback>
+        <mc:Fallback xmlns="">
           <p:pic>
             <p:nvPicPr>
               <p:cNvPr id="41" name="Tinta 40">
@@ -14125,8 +14126,8 @@
           </p:pic>
         </mc:Fallback>
       </mc:AlternateContent>
-      <mc:AlternateContent xmlns:mc="http://schemas.openxmlformats.org/markup-compatibility/2006">
-        <mc:Choice xmlns:p14="http://schemas.microsoft.com/office/powerpoint/2010/main" Requires="p14">
+      <mc:AlternateContent xmlns:mc="http://schemas.openxmlformats.org/markup-compatibility/2006" xmlns:p14="http://schemas.microsoft.com/office/powerpoint/2010/main">
+        <mc:Choice Requires="p14">
           <p:contentPart p14:bwMode="auto" r:id="rId24">
             <p14:nvContentPartPr>
               <p14:cNvPr id="44" name="Tinta 43">
@@ -14145,7 +14146,7 @@
             </p14:xfrm>
           </p:contentPart>
         </mc:Choice>
-        <mc:Fallback>
+        <mc:Fallback xmlns="">
           <p:pic>
             <p:nvPicPr>
               <p:cNvPr id="44" name="Tinta 43">
@@ -14176,8 +14177,8 @@
           </p:pic>
         </mc:Fallback>
       </mc:AlternateContent>
-      <mc:AlternateContent xmlns:mc="http://schemas.openxmlformats.org/markup-compatibility/2006">
-        <mc:Choice xmlns:p14="http://schemas.microsoft.com/office/powerpoint/2010/main" Requires="p14">
+      <mc:AlternateContent xmlns:mc="http://schemas.openxmlformats.org/markup-compatibility/2006" xmlns:p14="http://schemas.microsoft.com/office/powerpoint/2010/main">
+        <mc:Choice Requires="p14">
           <p:contentPart p14:bwMode="auto" r:id="rId26">
             <p14:nvContentPartPr>
               <p14:cNvPr id="45" name="Tinta 44">
@@ -14196,7 +14197,7 @@
             </p14:xfrm>
           </p:contentPart>
         </mc:Choice>
-        <mc:Fallback>
+        <mc:Fallback xmlns="">
           <p:pic>
             <p:nvPicPr>
               <p:cNvPr id="45" name="Tinta 44">
@@ -14507,8 +14508,8 @@
           </a:p>
         </p:txBody>
       </p:sp>
-      <mc:AlternateContent xmlns:mc="http://schemas.openxmlformats.org/markup-compatibility/2006">
-        <mc:Choice xmlns:p14="http://schemas.microsoft.com/office/powerpoint/2010/main" Requires="p14">
+      <mc:AlternateContent xmlns:mc="http://schemas.openxmlformats.org/markup-compatibility/2006" xmlns:p14="http://schemas.microsoft.com/office/powerpoint/2010/main">
+        <mc:Choice Requires="p14">
           <p:contentPart p14:bwMode="auto" r:id="rId2">
             <p14:nvContentPartPr>
               <p14:cNvPr id="7" name="Tinta 6">
@@ -14527,7 +14528,7 @@
             </p14:xfrm>
           </p:contentPart>
         </mc:Choice>
-        <mc:Fallback>
+        <mc:Fallback xmlns="">
           <p:pic>
             <p:nvPicPr>
               <p:cNvPr id="7" name="Tinta 6">
@@ -14558,8 +14559,8 @@
           </p:pic>
         </mc:Fallback>
       </mc:AlternateContent>
-      <mc:AlternateContent xmlns:mc="http://schemas.openxmlformats.org/markup-compatibility/2006">
-        <mc:Choice xmlns:p14="http://schemas.microsoft.com/office/powerpoint/2010/main" Requires="p14">
+      <mc:AlternateContent xmlns:mc="http://schemas.openxmlformats.org/markup-compatibility/2006" xmlns:p14="http://schemas.microsoft.com/office/powerpoint/2010/main">
+        <mc:Choice Requires="p14">
           <p:contentPart p14:bwMode="auto" r:id="rId4">
             <p14:nvContentPartPr>
               <p14:cNvPr id="8" name="Tinta 7">
@@ -14578,7 +14579,7 @@
             </p14:xfrm>
           </p:contentPart>
         </mc:Choice>
-        <mc:Fallback>
+        <mc:Fallback xmlns="">
           <p:pic>
             <p:nvPicPr>
               <p:cNvPr id="8" name="Tinta 7">
@@ -14708,8 +14709,8 @@
             <a:chExt cx="1640160" cy="456120"/>
           </a:xfrm>
         </p:grpSpPr>
-        <mc:AlternateContent xmlns:mc="http://schemas.openxmlformats.org/markup-compatibility/2006">
-          <mc:Choice xmlns:p14="http://schemas.microsoft.com/office/powerpoint/2010/main" Requires="p14">
+        <mc:AlternateContent xmlns:mc="http://schemas.openxmlformats.org/markup-compatibility/2006" xmlns:p14="http://schemas.microsoft.com/office/powerpoint/2010/main">
+          <mc:Choice Requires="p14">
             <p:contentPart p14:bwMode="auto" r:id="rId6">
               <p14:nvContentPartPr>
                 <p14:cNvPr id="13" name="Tinta 12">
@@ -14728,7 +14729,7 @@
               </p14:xfrm>
             </p:contentPart>
           </mc:Choice>
-          <mc:Fallback>
+          <mc:Fallback xmlns="">
             <p:pic>
               <p:nvPicPr>
                 <p:cNvPr id="13" name="Tinta 12">
@@ -14759,8 +14760,8 @@
             </p:pic>
           </mc:Fallback>
         </mc:AlternateContent>
-        <mc:AlternateContent xmlns:mc="http://schemas.openxmlformats.org/markup-compatibility/2006">
-          <mc:Choice xmlns:p14="http://schemas.microsoft.com/office/powerpoint/2010/main" Requires="p14">
+        <mc:AlternateContent xmlns:mc="http://schemas.openxmlformats.org/markup-compatibility/2006" xmlns:p14="http://schemas.microsoft.com/office/powerpoint/2010/main">
+          <mc:Choice Requires="p14">
             <p:contentPart p14:bwMode="auto" r:id="rId8">
               <p14:nvContentPartPr>
                 <p14:cNvPr id="14" name="Tinta 13">
@@ -14779,7 +14780,7 @@
               </p14:xfrm>
             </p:contentPart>
           </mc:Choice>
-          <mc:Fallback>
+          <mc:Fallback xmlns="">
             <p:pic>
               <p:nvPicPr>
                 <p:cNvPr id="14" name="Tinta 13">
@@ -14810,8 +14811,8 @@
             </p:pic>
           </mc:Fallback>
         </mc:AlternateContent>
-        <mc:AlternateContent xmlns:mc="http://schemas.openxmlformats.org/markup-compatibility/2006">
-          <mc:Choice xmlns:p14="http://schemas.microsoft.com/office/powerpoint/2010/main" Requires="p14">
+        <mc:AlternateContent xmlns:mc="http://schemas.openxmlformats.org/markup-compatibility/2006" xmlns:p14="http://schemas.microsoft.com/office/powerpoint/2010/main">
+          <mc:Choice Requires="p14">
             <p:contentPart p14:bwMode="auto" r:id="rId10">
               <p14:nvContentPartPr>
                 <p14:cNvPr id="15" name="Tinta 14">
@@ -14830,7 +14831,7 @@
               </p14:xfrm>
             </p:contentPart>
           </mc:Choice>
-          <mc:Fallback>
+          <mc:Fallback xmlns="">
             <p:pic>
               <p:nvPicPr>
                 <p:cNvPr id="15" name="Tinta 14">
@@ -14861,8 +14862,8 @@
             </p:pic>
           </mc:Fallback>
         </mc:AlternateContent>
-        <mc:AlternateContent xmlns:mc="http://schemas.openxmlformats.org/markup-compatibility/2006">
-          <mc:Choice xmlns:p14="http://schemas.microsoft.com/office/powerpoint/2010/main" Requires="p14">
+        <mc:AlternateContent xmlns:mc="http://schemas.openxmlformats.org/markup-compatibility/2006" xmlns:p14="http://schemas.microsoft.com/office/powerpoint/2010/main">
+          <mc:Choice Requires="p14">
             <p:contentPart p14:bwMode="auto" r:id="rId12">
               <p14:nvContentPartPr>
                 <p14:cNvPr id="16" name="Tinta 15">
@@ -14881,7 +14882,7 @@
               </p14:xfrm>
             </p:contentPart>
           </mc:Choice>
-          <mc:Fallback>
+          <mc:Fallback xmlns="">
             <p:pic>
               <p:nvPicPr>
                 <p:cNvPr id="16" name="Tinta 15">
@@ -14912,8 +14913,8 @@
             </p:pic>
           </mc:Fallback>
         </mc:AlternateContent>
-        <mc:AlternateContent xmlns:mc="http://schemas.openxmlformats.org/markup-compatibility/2006">
-          <mc:Choice xmlns:p14="http://schemas.microsoft.com/office/powerpoint/2010/main" Requires="p14">
+        <mc:AlternateContent xmlns:mc="http://schemas.openxmlformats.org/markup-compatibility/2006" xmlns:p14="http://schemas.microsoft.com/office/powerpoint/2010/main">
+          <mc:Choice Requires="p14">
             <p:contentPart p14:bwMode="auto" r:id="rId14">
               <p14:nvContentPartPr>
                 <p14:cNvPr id="17" name="Tinta 16">
@@ -14932,7 +14933,7 @@
               </p14:xfrm>
             </p:contentPart>
           </mc:Choice>
-          <mc:Fallback>
+          <mc:Fallback xmlns="">
             <p:pic>
               <p:nvPicPr>
                 <p:cNvPr id="17" name="Tinta 16">
@@ -14963,8 +14964,8 @@
             </p:pic>
           </mc:Fallback>
         </mc:AlternateContent>
-        <mc:AlternateContent xmlns:mc="http://schemas.openxmlformats.org/markup-compatibility/2006">
-          <mc:Choice xmlns:p14="http://schemas.microsoft.com/office/powerpoint/2010/main" Requires="p14">
+        <mc:AlternateContent xmlns:mc="http://schemas.openxmlformats.org/markup-compatibility/2006" xmlns:p14="http://schemas.microsoft.com/office/powerpoint/2010/main">
+          <mc:Choice Requires="p14">
             <p:contentPart p14:bwMode="auto" r:id="rId16">
               <p14:nvContentPartPr>
                 <p14:cNvPr id="18" name="Tinta 17">
@@ -14983,7 +14984,7 @@
               </p14:xfrm>
             </p:contentPart>
           </mc:Choice>
-          <mc:Fallback>
+          <mc:Fallback xmlns="">
             <p:pic>
               <p:nvPicPr>
                 <p:cNvPr id="18" name="Tinta 17">
@@ -15014,8 +15015,8 @@
             </p:pic>
           </mc:Fallback>
         </mc:AlternateContent>
-        <mc:AlternateContent xmlns:mc="http://schemas.openxmlformats.org/markup-compatibility/2006">
-          <mc:Choice xmlns:p14="http://schemas.microsoft.com/office/powerpoint/2010/main" Requires="p14">
+        <mc:AlternateContent xmlns:mc="http://schemas.openxmlformats.org/markup-compatibility/2006" xmlns:p14="http://schemas.microsoft.com/office/powerpoint/2010/main">
+          <mc:Choice Requires="p14">
             <p:contentPart p14:bwMode="auto" r:id="rId18">
               <p14:nvContentPartPr>
                 <p14:cNvPr id="19" name="Tinta 18">
@@ -15034,7 +15035,7 @@
               </p14:xfrm>
             </p:contentPart>
           </mc:Choice>
-          <mc:Fallback>
+          <mc:Fallback xmlns="">
             <p:pic>
               <p:nvPicPr>
                 <p:cNvPr id="19" name="Tinta 18">
@@ -15065,8 +15066,8 @@
             </p:pic>
           </mc:Fallback>
         </mc:AlternateContent>
-        <mc:AlternateContent xmlns:mc="http://schemas.openxmlformats.org/markup-compatibility/2006">
-          <mc:Choice xmlns:p14="http://schemas.microsoft.com/office/powerpoint/2010/main" Requires="p14">
+        <mc:AlternateContent xmlns:mc="http://schemas.openxmlformats.org/markup-compatibility/2006" xmlns:p14="http://schemas.microsoft.com/office/powerpoint/2010/main">
+          <mc:Choice Requires="p14">
             <p:contentPart p14:bwMode="auto" r:id="rId20">
               <p14:nvContentPartPr>
                 <p14:cNvPr id="20" name="Tinta 19">
@@ -15085,7 +15086,7 @@
               </p14:xfrm>
             </p:contentPart>
           </mc:Choice>
-          <mc:Fallback>
+          <mc:Fallback xmlns="">
             <p:pic>
               <p:nvPicPr>
                 <p:cNvPr id="20" name="Tinta 19">
@@ -15116,8 +15117,8 @@
             </p:pic>
           </mc:Fallback>
         </mc:AlternateContent>
-        <mc:AlternateContent xmlns:mc="http://schemas.openxmlformats.org/markup-compatibility/2006">
-          <mc:Choice xmlns:p14="http://schemas.microsoft.com/office/powerpoint/2010/main" Requires="p14">
+        <mc:AlternateContent xmlns:mc="http://schemas.openxmlformats.org/markup-compatibility/2006" xmlns:p14="http://schemas.microsoft.com/office/powerpoint/2010/main">
+          <mc:Choice Requires="p14">
             <p:contentPart p14:bwMode="auto" r:id="rId22">
               <p14:nvContentPartPr>
                 <p14:cNvPr id="21" name="Tinta 20">
@@ -15136,7 +15137,7 @@
               </p14:xfrm>
             </p:contentPart>
           </mc:Choice>
-          <mc:Fallback>
+          <mc:Fallback xmlns="">
             <p:pic>
               <p:nvPicPr>
                 <p:cNvPr id="21" name="Tinta 20">
@@ -15167,8 +15168,8 @@
             </p:pic>
           </mc:Fallback>
         </mc:AlternateContent>
-        <mc:AlternateContent xmlns:mc="http://schemas.openxmlformats.org/markup-compatibility/2006">
-          <mc:Choice xmlns:p14="http://schemas.microsoft.com/office/powerpoint/2010/main" Requires="p14">
+        <mc:AlternateContent xmlns:mc="http://schemas.openxmlformats.org/markup-compatibility/2006" xmlns:p14="http://schemas.microsoft.com/office/powerpoint/2010/main">
+          <mc:Choice Requires="p14">
             <p:contentPart p14:bwMode="auto" r:id="rId24">
               <p14:nvContentPartPr>
                 <p14:cNvPr id="22" name="Tinta 21">
@@ -15187,7 +15188,7 @@
               </p14:xfrm>
             </p:contentPart>
           </mc:Choice>
-          <mc:Fallback>
+          <mc:Fallback xmlns="">
             <p:pic>
               <p:nvPicPr>
                 <p:cNvPr id="22" name="Tinta 21">
@@ -15218,8 +15219,8 @@
             </p:pic>
           </mc:Fallback>
         </mc:AlternateContent>
-        <mc:AlternateContent xmlns:mc="http://schemas.openxmlformats.org/markup-compatibility/2006">
-          <mc:Choice xmlns:p14="http://schemas.microsoft.com/office/powerpoint/2010/main" Requires="p14">
+        <mc:AlternateContent xmlns:mc="http://schemas.openxmlformats.org/markup-compatibility/2006" xmlns:p14="http://schemas.microsoft.com/office/powerpoint/2010/main">
+          <mc:Choice Requires="p14">
             <p:contentPart p14:bwMode="auto" r:id="rId26">
               <p14:nvContentPartPr>
                 <p14:cNvPr id="23" name="Tinta 22">
@@ -15238,7 +15239,7 @@
               </p14:xfrm>
             </p:contentPart>
           </mc:Choice>
-          <mc:Fallback>
+          <mc:Fallback xmlns="">
             <p:pic>
               <p:nvPicPr>
                 <p:cNvPr id="23" name="Tinta 22">
@@ -15269,8 +15270,8 @@
             </p:pic>
           </mc:Fallback>
         </mc:AlternateContent>
-        <mc:AlternateContent xmlns:mc="http://schemas.openxmlformats.org/markup-compatibility/2006">
-          <mc:Choice xmlns:p14="http://schemas.microsoft.com/office/powerpoint/2010/main" Requires="p14">
+        <mc:AlternateContent xmlns:mc="http://schemas.openxmlformats.org/markup-compatibility/2006" xmlns:p14="http://schemas.microsoft.com/office/powerpoint/2010/main">
+          <mc:Choice Requires="p14">
             <p:contentPart p14:bwMode="auto" r:id="rId28">
               <p14:nvContentPartPr>
                 <p14:cNvPr id="24" name="Tinta 23">
@@ -15289,7 +15290,7 @@
               </p14:xfrm>
             </p:contentPart>
           </mc:Choice>
-          <mc:Fallback>
+          <mc:Fallback xmlns="">
             <p:pic>
               <p:nvPicPr>
                 <p:cNvPr id="24" name="Tinta 23">
@@ -15320,8 +15321,8 @@
             </p:pic>
           </mc:Fallback>
         </mc:AlternateContent>
-        <mc:AlternateContent xmlns:mc="http://schemas.openxmlformats.org/markup-compatibility/2006">
-          <mc:Choice xmlns:p14="http://schemas.microsoft.com/office/powerpoint/2010/main" Requires="p14">
+        <mc:AlternateContent xmlns:mc="http://schemas.openxmlformats.org/markup-compatibility/2006" xmlns:p14="http://schemas.microsoft.com/office/powerpoint/2010/main">
+          <mc:Choice Requires="p14">
             <p:contentPart p14:bwMode="auto" r:id="rId30">
               <p14:nvContentPartPr>
                 <p14:cNvPr id="25" name="Tinta 24">
@@ -15340,7 +15341,7 @@
               </p14:xfrm>
             </p:contentPart>
           </mc:Choice>
-          <mc:Fallback>
+          <mc:Fallback xmlns="">
             <p:pic>
               <p:nvPicPr>
                 <p:cNvPr id="25" name="Tinta 24">
@@ -15392,8 +15393,8 @@
             <a:chExt cx="2212560" cy="474840"/>
           </a:xfrm>
         </p:grpSpPr>
-        <mc:AlternateContent xmlns:mc="http://schemas.openxmlformats.org/markup-compatibility/2006">
-          <mc:Choice xmlns:p14="http://schemas.microsoft.com/office/powerpoint/2010/main" Requires="p14">
+        <mc:AlternateContent xmlns:mc="http://schemas.openxmlformats.org/markup-compatibility/2006" xmlns:p14="http://schemas.microsoft.com/office/powerpoint/2010/main">
+          <mc:Choice Requires="p14">
             <p:contentPart p14:bwMode="auto" r:id="rId32">
               <p14:nvContentPartPr>
                 <p14:cNvPr id="27" name="Tinta 26">
@@ -15412,7 +15413,7 @@
               </p14:xfrm>
             </p:contentPart>
           </mc:Choice>
-          <mc:Fallback>
+          <mc:Fallback xmlns="">
             <p:pic>
               <p:nvPicPr>
                 <p:cNvPr id="27" name="Tinta 26">
@@ -15443,8 +15444,8 @@
             </p:pic>
           </mc:Fallback>
         </mc:AlternateContent>
-        <mc:AlternateContent xmlns:mc="http://schemas.openxmlformats.org/markup-compatibility/2006">
-          <mc:Choice xmlns:p14="http://schemas.microsoft.com/office/powerpoint/2010/main" Requires="p14">
+        <mc:AlternateContent xmlns:mc="http://schemas.openxmlformats.org/markup-compatibility/2006" xmlns:p14="http://schemas.microsoft.com/office/powerpoint/2010/main">
+          <mc:Choice Requires="p14">
             <p:contentPart p14:bwMode="auto" r:id="rId34">
               <p14:nvContentPartPr>
                 <p14:cNvPr id="28" name="Tinta 27">
@@ -15463,7 +15464,7 @@
               </p14:xfrm>
             </p:contentPart>
           </mc:Choice>
-          <mc:Fallback>
+          <mc:Fallback xmlns="">
             <p:pic>
               <p:nvPicPr>
                 <p:cNvPr id="28" name="Tinta 27">
@@ -15494,8 +15495,8 @@
             </p:pic>
           </mc:Fallback>
         </mc:AlternateContent>
-        <mc:AlternateContent xmlns:mc="http://schemas.openxmlformats.org/markup-compatibility/2006">
-          <mc:Choice xmlns:p14="http://schemas.microsoft.com/office/powerpoint/2010/main" Requires="p14">
+        <mc:AlternateContent xmlns:mc="http://schemas.openxmlformats.org/markup-compatibility/2006" xmlns:p14="http://schemas.microsoft.com/office/powerpoint/2010/main">
+          <mc:Choice Requires="p14">
             <p:contentPart p14:bwMode="auto" r:id="rId36">
               <p14:nvContentPartPr>
                 <p14:cNvPr id="29" name="Tinta 28">
@@ -15514,7 +15515,7 @@
               </p14:xfrm>
             </p:contentPart>
           </mc:Choice>
-          <mc:Fallback>
+          <mc:Fallback xmlns="">
             <p:pic>
               <p:nvPicPr>
                 <p:cNvPr id="29" name="Tinta 28">
@@ -15545,8 +15546,8 @@
             </p:pic>
           </mc:Fallback>
         </mc:AlternateContent>
-        <mc:AlternateContent xmlns:mc="http://schemas.openxmlformats.org/markup-compatibility/2006">
-          <mc:Choice xmlns:p14="http://schemas.microsoft.com/office/powerpoint/2010/main" Requires="p14">
+        <mc:AlternateContent xmlns:mc="http://schemas.openxmlformats.org/markup-compatibility/2006" xmlns:p14="http://schemas.microsoft.com/office/powerpoint/2010/main">
+          <mc:Choice Requires="p14">
             <p:contentPart p14:bwMode="auto" r:id="rId38">
               <p14:nvContentPartPr>
                 <p14:cNvPr id="30" name="Tinta 29">
@@ -15565,7 +15566,7 @@
               </p14:xfrm>
             </p:contentPart>
           </mc:Choice>
-          <mc:Fallback>
+          <mc:Fallback xmlns="">
             <p:pic>
               <p:nvPicPr>
                 <p:cNvPr id="30" name="Tinta 29">
@@ -15596,8 +15597,8 @@
             </p:pic>
           </mc:Fallback>
         </mc:AlternateContent>
-        <mc:AlternateContent xmlns:mc="http://schemas.openxmlformats.org/markup-compatibility/2006">
-          <mc:Choice xmlns:p14="http://schemas.microsoft.com/office/powerpoint/2010/main" Requires="p14">
+        <mc:AlternateContent xmlns:mc="http://schemas.openxmlformats.org/markup-compatibility/2006" xmlns:p14="http://schemas.microsoft.com/office/powerpoint/2010/main">
+          <mc:Choice Requires="p14">
             <p:contentPart p14:bwMode="auto" r:id="rId40">
               <p14:nvContentPartPr>
                 <p14:cNvPr id="31" name="Tinta 30">
@@ -15616,7 +15617,7 @@
               </p14:xfrm>
             </p:contentPart>
           </mc:Choice>
-          <mc:Fallback>
+          <mc:Fallback xmlns="">
             <p:pic>
               <p:nvPicPr>
                 <p:cNvPr id="31" name="Tinta 30">
@@ -15647,8 +15648,8 @@
             </p:pic>
           </mc:Fallback>
         </mc:AlternateContent>
-        <mc:AlternateContent xmlns:mc="http://schemas.openxmlformats.org/markup-compatibility/2006">
-          <mc:Choice xmlns:p14="http://schemas.microsoft.com/office/powerpoint/2010/main" Requires="p14">
+        <mc:AlternateContent xmlns:mc="http://schemas.openxmlformats.org/markup-compatibility/2006" xmlns:p14="http://schemas.microsoft.com/office/powerpoint/2010/main">
+          <mc:Choice Requires="p14">
             <p:contentPart p14:bwMode="auto" r:id="rId42">
               <p14:nvContentPartPr>
                 <p14:cNvPr id="32" name="Tinta 31">
@@ -15667,7 +15668,7 @@
               </p14:xfrm>
             </p:contentPart>
           </mc:Choice>
-          <mc:Fallback>
+          <mc:Fallback xmlns="">
             <p:pic>
               <p:nvPicPr>
                 <p:cNvPr id="32" name="Tinta 31">
@@ -15698,8 +15699,8 @@
             </p:pic>
           </mc:Fallback>
         </mc:AlternateContent>
-        <mc:AlternateContent xmlns:mc="http://schemas.openxmlformats.org/markup-compatibility/2006">
-          <mc:Choice xmlns:p14="http://schemas.microsoft.com/office/powerpoint/2010/main" Requires="p14">
+        <mc:AlternateContent xmlns:mc="http://schemas.openxmlformats.org/markup-compatibility/2006" xmlns:p14="http://schemas.microsoft.com/office/powerpoint/2010/main">
+          <mc:Choice Requires="p14">
             <p:contentPart p14:bwMode="auto" r:id="rId44">
               <p14:nvContentPartPr>
                 <p14:cNvPr id="33" name="Tinta 32">
@@ -15718,7 +15719,7 @@
               </p14:xfrm>
             </p:contentPart>
           </mc:Choice>
-          <mc:Fallback>
+          <mc:Fallback xmlns="">
             <p:pic>
               <p:nvPicPr>
                 <p:cNvPr id="33" name="Tinta 32">
@@ -15749,8 +15750,8 @@
             </p:pic>
           </mc:Fallback>
         </mc:AlternateContent>
-        <mc:AlternateContent xmlns:mc="http://schemas.openxmlformats.org/markup-compatibility/2006">
-          <mc:Choice xmlns:p14="http://schemas.microsoft.com/office/powerpoint/2010/main" Requires="p14">
+        <mc:AlternateContent xmlns:mc="http://schemas.openxmlformats.org/markup-compatibility/2006" xmlns:p14="http://schemas.microsoft.com/office/powerpoint/2010/main">
+          <mc:Choice Requires="p14">
             <p:contentPart p14:bwMode="auto" r:id="rId46">
               <p14:nvContentPartPr>
                 <p14:cNvPr id="34" name="Tinta 33">
@@ -15769,7 +15770,7 @@
               </p14:xfrm>
             </p:contentPart>
           </mc:Choice>
-          <mc:Fallback>
+          <mc:Fallback xmlns="">
             <p:pic>
               <p:nvPicPr>
                 <p:cNvPr id="34" name="Tinta 33">
@@ -15800,8 +15801,8 @@
             </p:pic>
           </mc:Fallback>
         </mc:AlternateContent>
-        <mc:AlternateContent xmlns:mc="http://schemas.openxmlformats.org/markup-compatibility/2006">
-          <mc:Choice xmlns:p14="http://schemas.microsoft.com/office/powerpoint/2010/main" Requires="p14">
+        <mc:AlternateContent xmlns:mc="http://schemas.openxmlformats.org/markup-compatibility/2006" xmlns:p14="http://schemas.microsoft.com/office/powerpoint/2010/main">
+          <mc:Choice Requires="p14">
             <p:contentPart p14:bwMode="auto" r:id="rId48">
               <p14:nvContentPartPr>
                 <p14:cNvPr id="35" name="Tinta 34">
@@ -15820,7 +15821,7 @@
               </p14:xfrm>
             </p:contentPart>
           </mc:Choice>
-          <mc:Fallback>
+          <mc:Fallback xmlns="">
             <p:pic>
               <p:nvPicPr>
                 <p:cNvPr id="35" name="Tinta 34">
@@ -15851,8 +15852,8 @@
             </p:pic>
           </mc:Fallback>
         </mc:AlternateContent>
-        <mc:AlternateContent xmlns:mc="http://schemas.openxmlformats.org/markup-compatibility/2006">
-          <mc:Choice xmlns:p14="http://schemas.microsoft.com/office/powerpoint/2010/main" Requires="p14">
+        <mc:AlternateContent xmlns:mc="http://schemas.openxmlformats.org/markup-compatibility/2006" xmlns:p14="http://schemas.microsoft.com/office/powerpoint/2010/main">
+          <mc:Choice Requires="p14">
             <p:contentPart p14:bwMode="auto" r:id="rId50">
               <p14:nvContentPartPr>
                 <p14:cNvPr id="36" name="Tinta 35">
@@ -15871,7 +15872,7 @@
               </p14:xfrm>
             </p:contentPart>
           </mc:Choice>
-          <mc:Fallback>
+          <mc:Fallback xmlns="">
             <p:pic>
               <p:nvPicPr>
                 <p:cNvPr id="36" name="Tinta 35">
@@ -15902,8 +15903,8 @@
             </p:pic>
           </mc:Fallback>
         </mc:AlternateContent>
-        <mc:AlternateContent xmlns:mc="http://schemas.openxmlformats.org/markup-compatibility/2006">
-          <mc:Choice xmlns:p14="http://schemas.microsoft.com/office/powerpoint/2010/main" Requires="p14">
+        <mc:AlternateContent xmlns:mc="http://schemas.openxmlformats.org/markup-compatibility/2006" xmlns:p14="http://schemas.microsoft.com/office/powerpoint/2010/main">
+          <mc:Choice Requires="p14">
             <p:contentPart p14:bwMode="auto" r:id="rId52">
               <p14:nvContentPartPr>
                 <p14:cNvPr id="37" name="Tinta 36">
@@ -15922,7 +15923,7 @@
               </p14:xfrm>
             </p:contentPart>
           </mc:Choice>
-          <mc:Fallback>
+          <mc:Fallback xmlns="">
             <p:pic>
               <p:nvPicPr>
                 <p:cNvPr id="37" name="Tinta 36">
@@ -15953,8 +15954,8 @@
             </p:pic>
           </mc:Fallback>
         </mc:AlternateContent>
-        <mc:AlternateContent xmlns:mc="http://schemas.openxmlformats.org/markup-compatibility/2006">
-          <mc:Choice xmlns:p14="http://schemas.microsoft.com/office/powerpoint/2010/main" Requires="p14">
+        <mc:AlternateContent xmlns:mc="http://schemas.openxmlformats.org/markup-compatibility/2006" xmlns:p14="http://schemas.microsoft.com/office/powerpoint/2010/main">
+          <mc:Choice Requires="p14">
             <p:contentPart p14:bwMode="auto" r:id="rId54">
               <p14:nvContentPartPr>
                 <p14:cNvPr id="38" name="Tinta 37">
@@ -15973,7 +15974,7 @@
               </p14:xfrm>
             </p:contentPart>
           </mc:Choice>
-          <mc:Fallback>
+          <mc:Fallback xmlns="">
             <p:pic>
               <p:nvPicPr>
                 <p:cNvPr id="38" name="Tinta 37">
@@ -16004,8 +16005,8 @@
             </p:pic>
           </mc:Fallback>
         </mc:AlternateContent>
-        <mc:AlternateContent xmlns:mc="http://schemas.openxmlformats.org/markup-compatibility/2006">
-          <mc:Choice xmlns:p14="http://schemas.microsoft.com/office/powerpoint/2010/main" Requires="p14">
+        <mc:AlternateContent xmlns:mc="http://schemas.openxmlformats.org/markup-compatibility/2006" xmlns:p14="http://schemas.microsoft.com/office/powerpoint/2010/main">
+          <mc:Choice Requires="p14">
             <p:contentPart p14:bwMode="auto" r:id="rId56">
               <p14:nvContentPartPr>
                 <p14:cNvPr id="39" name="Tinta 38">
@@ -16024,7 +16025,7 @@
               </p14:xfrm>
             </p:contentPart>
           </mc:Choice>
-          <mc:Fallback>
+          <mc:Fallback xmlns="">
             <p:pic>
               <p:nvPicPr>
                 <p:cNvPr id="39" name="Tinta 38">
@@ -16055,8 +16056,8 @@
             </p:pic>
           </mc:Fallback>
         </mc:AlternateContent>
-        <mc:AlternateContent xmlns:mc="http://schemas.openxmlformats.org/markup-compatibility/2006">
-          <mc:Choice xmlns:p14="http://schemas.microsoft.com/office/powerpoint/2010/main" Requires="p14">
+        <mc:AlternateContent xmlns:mc="http://schemas.openxmlformats.org/markup-compatibility/2006" xmlns:p14="http://schemas.microsoft.com/office/powerpoint/2010/main">
+          <mc:Choice Requires="p14">
             <p:contentPart p14:bwMode="auto" r:id="rId58">
               <p14:nvContentPartPr>
                 <p14:cNvPr id="40" name="Tinta 39">
@@ -16075,7 +16076,7 @@
               </p14:xfrm>
             </p:contentPart>
           </mc:Choice>
-          <mc:Fallback>
+          <mc:Fallback xmlns="">
             <p:pic>
               <p:nvPicPr>
                 <p:cNvPr id="40" name="Tinta 39">
@@ -16106,8 +16107,8 @@
             </p:pic>
           </mc:Fallback>
         </mc:AlternateContent>
-        <mc:AlternateContent xmlns:mc="http://schemas.openxmlformats.org/markup-compatibility/2006">
-          <mc:Choice xmlns:p14="http://schemas.microsoft.com/office/powerpoint/2010/main" Requires="p14">
+        <mc:AlternateContent xmlns:mc="http://schemas.openxmlformats.org/markup-compatibility/2006" xmlns:p14="http://schemas.microsoft.com/office/powerpoint/2010/main">
+          <mc:Choice Requires="p14">
             <p:contentPart p14:bwMode="auto" r:id="rId60">
               <p14:nvContentPartPr>
                 <p14:cNvPr id="41" name="Tinta 40">
@@ -16126,7 +16127,7 @@
               </p14:xfrm>
             </p:contentPart>
           </mc:Choice>
-          <mc:Fallback>
+          <mc:Fallback xmlns="">
             <p:pic>
               <p:nvPicPr>
                 <p:cNvPr id="41" name="Tinta 40">
@@ -16178,8 +16179,8 @@
             <a:chExt cx="1560960" cy="405000"/>
           </a:xfrm>
         </p:grpSpPr>
-        <mc:AlternateContent xmlns:mc="http://schemas.openxmlformats.org/markup-compatibility/2006">
-          <mc:Choice xmlns:p14="http://schemas.microsoft.com/office/powerpoint/2010/main" Requires="p14">
+        <mc:AlternateContent xmlns:mc="http://schemas.openxmlformats.org/markup-compatibility/2006" xmlns:p14="http://schemas.microsoft.com/office/powerpoint/2010/main">
+          <mc:Choice Requires="p14">
             <p:contentPart p14:bwMode="auto" r:id="rId62">
               <p14:nvContentPartPr>
                 <p14:cNvPr id="43" name="Tinta 42">
@@ -16198,7 +16199,7 @@
               </p14:xfrm>
             </p:contentPart>
           </mc:Choice>
-          <mc:Fallback>
+          <mc:Fallback xmlns="">
             <p:pic>
               <p:nvPicPr>
                 <p:cNvPr id="43" name="Tinta 42">
@@ -16229,8 +16230,8 @@
             </p:pic>
           </mc:Fallback>
         </mc:AlternateContent>
-        <mc:AlternateContent xmlns:mc="http://schemas.openxmlformats.org/markup-compatibility/2006">
-          <mc:Choice xmlns:p14="http://schemas.microsoft.com/office/powerpoint/2010/main" Requires="p14">
+        <mc:AlternateContent xmlns:mc="http://schemas.openxmlformats.org/markup-compatibility/2006" xmlns:p14="http://schemas.microsoft.com/office/powerpoint/2010/main">
+          <mc:Choice Requires="p14">
             <p:contentPart p14:bwMode="auto" r:id="rId64">
               <p14:nvContentPartPr>
                 <p14:cNvPr id="44" name="Tinta 43">
@@ -16249,7 +16250,7 @@
               </p14:xfrm>
             </p:contentPart>
           </mc:Choice>
-          <mc:Fallback>
+          <mc:Fallback xmlns="">
             <p:pic>
               <p:nvPicPr>
                 <p:cNvPr id="44" name="Tinta 43">
@@ -16280,8 +16281,8 @@
             </p:pic>
           </mc:Fallback>
         </mc:AlternateContent>
-        <mc:AlternateContent xmlns:mc="http://schemas.openxmlformats.org/markup-compatibility/2006">
-          <mc:Choice xmlns:p14="http://schemas.microsoft.com/office/powerpoint/2010/main" Requires="p14">
+        <mc:AlternateContent xmlns:mc="http://schemas.openxmlformats.org/markup-compatibility/2006" xmlns:p14="http://schemas.microsoft.com/office/powerpoint/2010/main">
+          <mc:Choice Requires="p14">
             <p:contentPart p14:bwMode="auto" r:id="rId66">
               <p14:nvContentPartPr>
                 <p14:cNvPr id="45" name="Tinta 44">
@@ -16300,7 +16301,7 @@
               </p14:xfrm>
             </p:contentPart>
           </mc:Choice>
-          <mc:Fallback>
+          <mc:Fallback xmlns="">
             <p:pic>
               <p:nvPicPr>
                 <p:cNvPr id="45" name="Tinta 44">
@@ -16331,8 +16332,8 @@
             </p:pic>
           </mc:Fallback>
         </mc:AlternateContent>
-        <mc:AlternateContent xmlns:mc="http://schemas.openxmlformats.org/markup-compatibility/2006">
-          <mc:Choice xmlns:p14="http://schemas.microsoft.com/office/powerpoint/2010/main" Requires="p14">
+        <mc:AlternateContent xmlns:mc="http://schemas.openxmlformats.org/markup-compatibility/2006" xmlns:p14="http://schemas.microsoft.com/office/powerpoint/2010/main">
+          <mc:Choice Requires="p14">
             <p:contentPart p14:bwMode="auto" r:id="rId68">
               <p14:nvContentPartPr>
                 <p14:cNvPr id="52" name="Tinta 51">
@@ -16351,7 +16352,7 @@
               </p14:xfrm>
             </p:contentPart>
           </mc:Choice>
-          <mc:Fallback>
+          <mc:Fallback xmlns="">
             <p:pic>
               <p:nvPicPr>
                 <p:cNvPr id="52" name="Tinta 51">
@@ -16382,8 +16383,8 @@
             </p:pic>
           </mc:Fallback>
         </mc:AlternateContent>
-        <mc:AlternateContent xmlns:mc="http://schemas.openxmlformats.org/markup-compatibility/2006">
-          <mc:Choice xmlns:p14="http://schemas.microsoft.com/office/powerpoint/2010/main" Requires="p14">
+        <mc:AlternateContent xmlns:mc="http://schemas.openxmlformats.org/markup-compatibility/2006" xmlns:p14="http://schemas.microsoft.com/office/powerpoint/2010/main">
+          <mc:Choice Requires="p14">
             <p:contentPart p14:bwMode="auto" r:id="rId70">
               <p14:nvContentPartPr>
                 <p14:cNvPr id="53" name="Tinta 52">
@@ -16402,7 +16403,7 @@
               </p14:xfrm>
             </p:contentPart>
           </mc:Choice>
-          <mc:Fallback>
+          <mc:Fallback xmlns="">
             <p:pic>
               <p:nvPicPr>
                 <p:cNvPr id="53" name="Tinta 52">
@@ -16433,8 +16434,8 @@
             </p:pic>
           </mc:Fallback>
         </mc:AlternateContent>
-        <mc:AlternateContent xmlns:mc="http://schemas.openxmlformats.org/markup-compatibility/2006">
-          <mc:Choice xmlns:p14="http://schemas.microsoft.com/office/powerpoint/2010/main" Requires="p14">
+        <mc:AlternateContent xmlns:mc="http://schemas.openxmlformats.org/markup-compatibility/2006" xmlns:p14="http://schemas.microsoft.com/office/powerpoint/2010/main">
+          <mc:Choice Requires="p14">
             <p:contentPart p14:bwMode="auto" r:id="rId72">
               <p14:nvContentPartPr>
                 <p14:cNvPr id="54" name="Tinta 53">
@@ -16453,7 +16454,7 @@
               </p14:xfrm>
             </p:contentPart>
           </mc:Choice>
-          <mc:Fallback>
+          <mc:Fallback xmlns="">
             <p:pic>
               <p:nvPicPr>
                 <p:cNvPr id="54" name="Tinta 53">
@@ -16484,8 +16485,8 @@
             </p:pic>
           </mc:Fallback>
         </mc:AlternateContent>
-        <mc:AlternateContent xmlns:mc="http://schemas.openxmlformats.org/markup-compatibility/2006">
-          <mc:Choice xmlns:p14="http://schemas.microsoft.com/office/powerpoint/2010/main" Requires="p14">
+        <mc:AlternateContent xmlns:mc="http://schemas.openxmlformats.org/markup-compatibility/2006" xmlns:p14="http://schemas.microsoft.com/office/powerpoint/2010/main">
+          <mc:Choice Requires="p14">
             <p:contentPart p14:bwMode="auto" r:id="rId74">
               <p14:nvContentPartPr>
                 <p14:cNvPr id="55" name="Tinta 54">
@@ -16504,7 +16505,7 @@
               </p14:xfrm>
             </p:contentPart>
           </mc:Choice>
-          <mc:Fallback>
+          <mc:Fallback xmlns="">
             <p:pic>
               <p:nvPicPr>
                 <p:cNvPr id="55" name="Tinta 54">
@@ -16535,8 +16536,8 @@
             </p:pic>
           </mc:Fallback>
         </mc:AlternateContent>
-        <mc:AlternateContent xmlns:mc="http://schemas.openxmlformats.org/markup-compatibility/2006">
-          <mc:Choice xmlns:p14="http://schemas.microsoft.com/office/powerpoint/2010/main" Requires="p14">
+        <mc:AlternateContent xmlns:mc="http://schemas.openxmlformats.org/markup-compatibility/2006" xmlns:p14="http://schemas.microsoft.com/office/powerpoint/2010/main">
+          <mc:Choice Requires="p14">
             <p:contentPart p14:bwMode="auto" r:id="rId76">
               <p14:nvContentPartPr>
                 <p14:cNvPr id="56" name="Tinta 55">
@@ -16555,7 +16556,7 @@
               </p14:xfrm>
             </p:contentPart>
           </mc:Choice>
-          <mc:Fallback>
+          <mc:Fallback xmlns="">
             <p:pic>
               <p:nvPicPr>
                 <p:cNvPr id="56" name="Tinta 55">
@@ -16586,8 +16587,8 @@
             </p:pic>
           </mc:Fallback>
         </mc:AlternateContent>
-        <mc:AlternateContent xmlns:mc="http://schemas.openxmlformats.org/markup-compatibility/2006">
-          <mc:Choice xmlns:p14="http://schemas.microsoft.com/office/powerpoint/2010/main" Requires="p14">
+        <mc:AlternateContent xmlns:mc="http://schemas.openxmlformats.org/markup-compatibility/2006" xmlns:p14="http://schemas.microsoft.com/office/powerpoint/2010/main">
+          <mc:Choice Requires="p14">
             <p:contentPart p14:bwMode="auto" r:id="rId78">
               <p14:nvContentPartPr>
                 <p14:cNvPr id="57" name="Tinta 56">
@@ -16606,7 +16607,7 @@
               </p14:xfrm>
             </p:contentPart>
           </mc:Choice>
-          <mc:Fallback>
+          <mc:Fallback xmlns="">
             <p:pic>
               <p:nvPicPr>
                 <p:cNvPr id="57" name="Tinta 56">
@@ -16637,8 +16638,8 @@
             </p:pic>
           </mc:Fallback>
         </mc:AlternateContent>
-        <mc:AlternateContent xmlns:mc="http://schemas.openxmlformats.org/markup-compatibility/2006">
-          <mc:Choice xmlns:p14="http://schemas.microsoft.com/office/powerpoint/2010/main" Requires="p14">
+        <mc:AlternateContent xmlns:mc="http://schemas.openxmlformats.org/markup-compatibility/2006" xmlns:p14="http://schemas.microsoft.com/office/powerpoint/2010/main">
+          <mc:Choice Requires="p14">
             <p:contentPart p14:bwMode="auto" r:id="rId80">
               <p14:nvContentPartPr>
                 <p14:cNvPr id="58" name="Tinta 57">
@@ -16657,7 +16658,7 @@
               </p14:xfrm>
             </p:contentPart>
           </mc:Choice>
-          <mc:Fallback>
+          <mc:Fallback xmlns="">
             <p:pic>
               <p:nvPicPr>
                 <p:cNvPr id="58" name="Tinta 57">
@@ -16688,8 +16689,8 @@
             </p:pic>
           </mc:Fallback>
         </mc:AlternateContent>
-        <mc:AlternateContent xmlns:mc="http://schemas.openxmlformats.org/markup-compatibility/2006">
-          <mc:Choice xmlns:p14="http://schemas.microsoft.com/office/powerpoint/2010/main" Requires="p14">
+        <mc:AlternateContent xmlns:mc="http://schemas.openxmlformats.org/markup-compatibility/2006" xmlns:p14="http://schemas.microsoft.com/office/powerpoint/2010/main">
+          <mc:Choice Requires="p14">
             <p:contentPart p14:bwMode="auto" r:id="rId82">
               <p14:nvContentPartPr>
                 <p14:cNvPr id="59" name="Tinta 58">
@@ -16708,7 +16709,7 @@
               </p14:xfrm>
             </p:contentPart>
           </mc:Choice>
-          <mc:Fallback>
+          <mc:Fallback xmlns="">
             <p:pic>
               <p:nvPicPr>
                 <p:cNvPr id="59" name="Tinta 58">
@@ -16739,8 +16740,8 @@
             </p:pic>
           </mc:Fallback>
         </mc:AlternateContent>
-        <mc:AlternateContent xmlns:mc="http://schemas.openxmlformats.org/markup-compatibility/2006">
-          <mc:Choice xmlns:p14="http://schemas.microsoft.com/office/powerpoint/2010/main" Requires="p14">
+        <mc:AlternateContent xmlns:mc="http://schemas.openxmlformats.org/markup-compatibility/2006" xmlns:p14="http://schemas.microsoft.com/office/powerpoint/2010/main">
+          <mc:Choice Requires="p14">
             <p:contentPart p14:bwMode="auto" r:id="rId84">
               <p14:nvContentPartPr>
                 <p14:cNvPr id="60" name="Tinta 59">
@@ -16759,7 +16760,7 @@
               </p14:xfrm>
             </p:contentPart>
           </mc:Choice>
-          <mc:Fallback>
+          <mc:Fallback xmlns="">
             <p:pic>
               <p:nvPicPr>
                 <p:cNvPr id="60" name="Tinta 59">
@@ -16790,8 +16791,8 @@
             </p:pic>
           </mc:Fallback>
         </mc:AlternateContent>
-        <mc:AlternateContent xmlns:mc="http://schemas.openxmlformats.org/markup-compatibility/2006">
-          <mc:Choice xmlns:p14="http://schemas.microsoft.com/office/powerpoint/2010/main" Requires="p14">
+        <mc:AlternateContent xmlns:mc="http://schemas.openxmlformats.org/markup-compatibility/2006" xmlns:p14="http://schemas.microsoft.com/office/powerpoint/2010/main">
+          <mc:Choice Requires="p14">
             <p:contentPart p14:bwMode="auto" r:id="rId86">
               <p14:nvContentPartPr>
                 <p14:cNvPr id="61" name="Tinta 60">
@@ -16810,7 +16811,7 @@
               </p14:xfrm>
             </p:contentPart>
           </mc:Choice>
-          <mc:Fallback>
+          <mc:Fallback xmlns="">
             <p:pic>
               <p:nvPicPr>
                 <p:cNvPr id="61" name="Tinta 60">
@@ -16842,8 +16843,8 @@
           </mc:Fallback>
         </mc:AlternateContent>
       </p:grpSp>
-      <mc:AlternateContent xmlns:mc="http://schemas.openxmlformats.org/markup-compatibility/2006">
-        <mc:Choice xmlns:p14="http://schemas.microsoft.com/office/powerpoint/2010/main" Requires="p14">
+      <mc:AlternateContent xmlns:mc="http://schemas.openxmlformats.org/markup-compatibility/2006" xmlns:p14="http://schemas.microsoft.com/office/powerpoint/2010/main">
+        <mc:Choice Requires="p14">
           <p:contentPart p14:bwMode="auto" r:id="rId88">
             <p14:nvContentPartPr>
               <p14:cNvPr id="70" name="Tinta 69">
@@ -16862,7 +16863,7 @@
             </p14:xfrm>
           </p:contentPart>
         </mc:Choice>
-        <mc:Fallback>
+        <mc:Fallback xmlns="">
           <p:pic>
             <p:nvPicPr>
               <p:cNvPr id="70" name="Tinta 69">
@@ -16893,8 +16894,8 @@
           </p:pic>
         </mc:Fallback>
       </mc:AlternateContent>
-      <mc:AlternateContent xmlns:mc="http://schemas.openxmlformats.org/markup-compatibility/2006">
-        <mc:Choice xmlns:p14="http://schemas.microsoft.com/office/powerpoint/2010/main" Requires="p14">
+      <mc:AlternateContent xmlns:mc="http://schemas.openxmlformats.org/markup-compatibility/2006" xmlns:p14="http://schemas.microsoft.com/office/powerpoint/2010/main">
+        <mc:Choice Requires="p14">
           <p:contentPart p14:bwMode="auto" r:id="rId90">
             <p14:nvContentPartPr>
               <p14:cNvPr id="71" name="Tinta 70">
@@ -16913,7 +16914,7 @@
             </p14:xfrm>
           </p:contentPart>
         </mc:Choice>
-        <mc:Fallback>
+        <mc:Fallback xmlns="">
           <p:pic>
             <p:nvPicPr>
               <p:cNvPr id="71" name="Tinta 70">
@@ -16944,8 +16945,8 @@
           </p:pic>
         </mc:Fallback>
       </mc:AlternateContent>
-      <mc:AlternateContent xmlns:mc="http://schemas.openxmlformats.org/markup-compatibility/2006">
-        <mc:Choice xmlns:p14="http://schemas.microsoft.com/office/powerpoint/2010/main" Requires="p14">
+      <mc:AlternateContent xmlns:mc="http://schemas.openxmlformats.org/markup-compatibility/2006" xmlns:p14="http://schemas.microsoft.com/office/powerpoint/2010/main">
+        <mc:Choice Requires="p14">
           <p:contentPart p14:bwMode="auto" r:id="rId92">
             <p14:nvContentPartPr>
               <p14:cNvPr id="72" name="Tinta 71">
@@ -16964,7 +16965,7 @@
             </p14:xfrm>
           </p:contentPart>
         </mc:Choice>
-        <mc:Fallback>
+        <mc:Fallback xmlns="">
           <p:pic>
             <p:nvPicPr>
               <p:cNvPr id="72" name="Tinta 71">
@@ -16995,8 +16996,8 @@
           </p:pic>
         </mc:Fallback>
       </mc:AlternateContent>
-      <mc:AlternateContent xmlns:mc="http://schemas.openxmlformats.org/markup-compatibility/2006">
-        <mc:Choice xmlns:p14="http://schemas.microsoft.com/office/powerpoint/2010/main" Requires="p14">
+      <mc:AlternateContent xmlns:mc="http://schemas.openxmlformats.org/markup-compatibility/2006" xmlns:p14="http://schemas.microsoft.com/office/powerpoint/2010/main">
+        <mc:Choice Requires="p14">
           <p:contentPart p14:bwMode="auto" r:id="rId94">
             <p14:nvContentPartPr>
               <p14:cNvPr id="73" name="Tinta 72">
@@ -17015,7 +17016,7 @@
             </p14:xfrm>
           </p:contentPart>
         </mc:Choice>
-        <mc:Fallback>
+        <mc:Fallback xmlns="">
           <p:pic>
             <p:nvPicPr>
               <p:cNvPr id="73" name="Tinta 72">
@@ -17046,8 +17047,8 @@
           </p:pic>
         </mc:Fallback>
       </mc:AlternateContent>
-      <mc:AlternateContent xmlns:mc="http://schemas.openxmlformats.org/markup-compatibility/2006">
-        <mc:Choice xmlns:p14="http://schemas.microsoft.com/office/powerpoint/2010/main" Requires="p14">
+      <mc:AlternateContent xmlns:mc="http://schemas.openxmlformats.org/markup-compatibility/2006" xmlns:p14="http://schemas.microsoft.com/office/powerpoint/2010/main">
+        <mc:Choice Requires="p14">
           <p:contentPart p14:bwMode="auto" r:id="rId96">
             <p14:nvContentPartPr>
               <p14:cNvPr id="74" name="Tinta 73">
@@ -17066,7 +17067,7 @@
             </p14:xfrm>
           </p:contentPart>
         </mc:Choice>
-        <mc:Fallback>
+        <mc:Fallback xmlns="">
           <p:pic>
             <p:nvPicPr>
               <p:cNvPr id="74" name="Tinta 73">
@@ -17117,8 +17118,8 @@
             <a:chExt cx="215280" cy="326520"/>
           </a:xfrm>
         </p:grpSpPr>
-        <mc:AlternateContent xmlns:mc="http://schemas.openxmlformats.org/markup-compatibility/2006">
-          <mc:Choice xmlns:p14="http://schemas.microsoft.com/office/powerpoint/2010/main" Requires="p14">
+        <mc:AlternateContent xmlns:mc="http://schemas.openxmlformats.org/markup-compatibility/2006" xmlns:p14="http://schemas.microsoft.com/office/powerpoint/2010/main">
+          <mc:Choice Requires="p14">
             <p:contentPart p14:bwMode="auto" r:id="rId98">
               <p14:nvContentPartPr>
                 <p14:cNvPr id="75" name="Tinta 74">
@@ -17137,7 +17138,7 @@
               </p14:xfrm>
             </p:contentPart>
           </mc:Choice>
-          <mc:Fallback>
+          <mc:Fallback xmlns="">
             <p:pic>
               <p:nvPicPr>
                 <p:cNvPr id="75" name="Tinta 74">
@@ -17168,8 +17169,8 @@
             </p:pic>
           </mc:Fallback>
         </mc:AlternateContent>
-        <mc:AlternateContent xmlns:mc="http://schemas.openxmlformats.org/markup-compatibility/2006">
-          <mc:Choice xmlns:p14="http://schemas.microsoft.com/office/powerpoint/2010/main" Requires="p14">
+        <mc:AlternateContent xmlns:mc="http://schemas.openxmlformats.org/markup-compatibility/2006" xmlns:p14="http://schemas.microsoft.com/office/powerpoint/2010/main">
+          <mc:Choice Requires="p14">
             <p:contentPart p14:bwMode="auto" r:id="rId100">
               <p14:nvContentPartPr>
                 <p14:cNvPr id="76" name="Tinta 75">
@@ -17188,7 +17189,7 @@
               </p14:xfrm>
             </p:contentPart>
           </mc:Choice>
-          <mc:Fallback>
+          <mc:Fallback xmlns="">
             <p:pic>
               <p:nvPicPr>
                 <p:cNvPr id="76" name="Tinta 75">
@@ -17240,8 +17241,8 @@
             <a:chExt cx="187560" cy="308880"/>
           </a:xfrm>
         </p:grpSpPr>
-        <mc:AlternateContent xmlns:mc="http://schemas.openxmlformats.org/markup-compatibility/2006">
-          <mc:Choice xmlns:p14="http://schemas.microsoft.com/office/powerpoint/2010/main" Requires="p14">
+        <mc:AlternateContent xmlns:mc="http://schemas.openxmlformats.org/markup-compatibility/2006" xmlns:p14="http://schemas.microsoft.com/office/powerpoint/2010/main">
+          <mc:Choice Requires="p14">
             <p:contentPart p14:bwMode="auto" r:id="rId102">
               <p14:nvContentPartPr>
                 <p14:cNvPr id="78" name="Tinta 77">
@@ -17260,7 +17261,7 @@
               </p14:xfrm>
             </p:contentPart>
           </mc:Choice>
-          <mc:Fallback>
+          <mc:Fallback xmlns="">
             <p:pic>
               <p:nvPicPr>
                 <p:cNvPr id="78" name="Tinta 77">
@@ -17291,8 +17292,8 @@
             </p:pic>
           </mc:Fallback>
         </mc:AlternateContent>
-        <mc:AlternateContent xmlns:mc="http://schemas.openxmlformats.org/markup-compatibility/2006">
-          <mc:Choice xmlns:p14="http://schemas.microsoft.com/office/powerpoint/2010/main" Requires="p14">
+        <mc:AlternateContent xmlns:mc="http://schemas.openxmlformats.org/markup-compatibility/2006" xmlns:p14="http://schemas.microsoft.com/office/powerpoint/2010/main">
+          <mc:Choice Requires="p14">
             <p:contentPart p14:bwMode="auto" r:id="rId104">
               <p14:nvContentPartPr>
                 <p14:cNvPr id="79" name="Tinta 78">
@@ -17311,7 +17312,7 @@
               </p14:xfrm>
             </p:contentPart>
           </mc:Choice>
-          <mc:Fallback>
+          <mc:Fallback xmlns="">
             <p:pic>
               <p:nvPicPr>
                 <p:cNvPr id="79" name="Tinta 78">
@@ -17342,8 +17343,8 @@
             </p:pic>
           </mc:Fallback>
         </mc:AlternateContent>
-        <mc:AlternateContent xmlns:mc="http://schemas.openxmlformats.org/markup-compatibility/2006">
-          <mc:Choice xmlns:p14="http://schemas.microsoft.com/office/powerpoint/2010/main" Requires="p14">
+        <mc:AlternateContent xmlns:mc="http://schemas.openxmlformats.org/markup-compatibility/2006" xmlns:p14="http://schemas.microsoft.com/office/powerpoint/2010/main">
+          <mc:Choice Requires="p14">
             <p:contentPart p14:bwMode="auto" r:id="rId106">
               <p14:nvContentPartPr>
                 <p14:cNvPr id="80" name="Tinta 79">
@@ -17362,7 +17363,7 @@
               </p14:xfrm>
             </p:contentPart>
           </mc:Choice>
-          <mc:Fallback>
+          <mc:Fallback xmlns="">
             <p:pic>
               <p:nvPicPr>
                 <p:cNvPr id="80" name="Tinta 79">
@@ -17394,8 +17395,8 @@
           </mc:Fallback>
         </mc:AlternateContent>
       </p:grpSp>
-      <mc:AlternateContent xmlns:mc="http://schemas.openxmlformats.org/markup-compatibility/2006">
-        <mc:Choice xmlns:p14="http://schemas.microsoft.com/office/powerpoint/2010/main" Requires="p14">
+      <mc:AlternateContent xmlns:mc="http://schemas.openxmlformats.org/markup-compatibility/2006" xmlns:p14="http://schemas.microsoft.com/office/powerpoint/2010/main">
+        <mc:Choice Requires="p14">
           <p:contentPart p14:bwMode="auto" r:id="rId108">
             <p14:nvContentPartPr>
               <p14:cNvPr id="83" name="Tinta 82">
@@ -17414,7 +17415,7 @@
             </p14:xfrm>
           </p:contentPart>
         </mc:Choice>
-        <mc:Fallback>
+        <mc:Fallback xmlns="">
           <p:pic>
             <p:nvPicPr>
               <p:cNvPr id="83" name="Tinta 82">
@@ -17445,8 +17446,8 @@
           </p:pic>
         </mc:Fallback>
       </mc:AlternateContent>
-      <mc:AlternateContent xmlns:mc="http://schemas.openxmlformats.org/markup-compatibility/2006">
-        <mc:Choice xmlns:p14="http://schemas.microsoft.com/office/powerpoint/2010/main" Requires="p14">
+      <mc:AlternateContent xmlns:mc="http://schemas.openxmlformats.org/markup-compatibility/2006" xmlns:p14="http://schemas.microsoft.com/office/powerpoint/2010/main">
+        <mc:Choice Requires="p14">
           <p:contentPart p14:bwMode="auto" r:id="rId110">
             <p14:nvContentPartPr>
               <p14:cNvPr id="84" name="Tinta 83">
@@ -17465,7 +17466,7 @@
             </p14:xfrm>
           </p:contentPart>
         </mc:Choice>
-        <mc:Fallback>
+        <mc:Fallback xmlns="">
           <p:pic>
             <p:nvPicPr>
               <p:cNvPr id="84" name="Tinta 83">
@@ -17734,8 +17735,8 @@
           </a:p>
         </p:txBody>
       </p:sp>
-      <mc:AlternateContent xmlns:mc="http://schemas.openxmlformats.org/markup-compatibility/2006">
-        <mc:Choice xmlns:p14="http://schemas.microsoft.com/office/powerpoint/2010/main" Requires="p14">
+      <mc:AlternateContent xmlns:mc="http://schemas.openxmlformats.org/markup-compatibility/2006" xmlns:p14="http://schemas.microsoft.com/office/powerpoint/2010/main">
+        <mc:Choice Requires="p14">
           <p:contentPart p14:bwMode="auto" r:id="rId2">
             <p14:nvContentPartPr>
               <p14:cNvPr id="6" name="Tinta 5">
@@ -17754,7 +17755,7 @@
             </p14:xfrm>
           </p:contentPart>
         </mc:Choice>
-        <mc:Fallback>
+        <mc:Fallback xmlns="">
           <p:pic>
             <p:nvPicPr>
               <p:cNvPr id="6" name="Tinta 5">
@@ -17785,8 +17786,8 @@
           </p:pic>
         </mc:Fallback>
       </mc:AlternateContent>
-      <mc:AlternateContent xmlns:mc="http://schemas.openxmlformats.org/markup-compatibility/2006">
-        <mc:Choice xmlns:p14="http://schemas.microsoft.com/office/powerpoint/2010/main" Requires="p14">
+      <mc:AlternateContent xmlns:mc="http://schemas.openxmlformats.org/markup-compatibility/2006" xmlns:p14="http://schemas.microsoft.com/office/powerpoint/2010/main">
+        <mc:Choice Requires="p14">
           <p:contentPart p14:bwMode="auto" r:id="rId4">
             <p14:nvContentPartPr>
               <p14:cNvPr id="7" name="Tinta 6">
@@ -17805,7 +17806,7 @@
             </p14:xfrm>
           </p:contentPart>
         </mc:Choice>
-        <mc:Fallback>
+        <mc:Fallback xmlns="">
           <p:pic>
             <p:nvPicPr>
               <p:cNvPr id="7" name="Tinta 6">
@@ -17836,8 +17837,8 @@
           </p:pic>
         </mc:Fallback>
       </mc:AlternateContent>
-      <mc:AlternateContent xmlns:mc="http://schemas.openxmlformats.org/markup-compatibility/2006">
-        <mc:Choice xmlns:p14="http://schemas.microsoft.com/office/powerpoint/2010/main" Requires="p14">
+      <mc:AlternateContent xmlns:mc="http://schemas.openxmlformats.org/markup-compatibility/2006" xmlns:p14="http://schemas.microsoft.com/office/powerpoint/2010/main">
+        <mc:Choice Requires="p14">
           <p:contentPart p14:bwMode="auto" r:id="rId6">
             <p14:nvContentPartPr>
               <p14:cNvPr id="8" name="Tinta 7">
@@ -17856,7 +17857,7 @@
             </p14:xfrm>
           </p:contentPart>
         </mc:Choice>
-        <mc:Fallback>
+        <mc:Fallback xmlns="">
           <p:pic>
             <p:nvPicPr>
               <p:cNvPr id="8" name="Tinta 7">
@@ -17887,8 +17888,8 @@
           </p:pic>
         </mc:Fallback>
       </mc:AlternateContent>
-      <mc:AlternateContent xmlns:mc="http://schemas.openxmlformats.org/markup-compatibility/2006">
-        <mc:Choice xmlns:p14="http://schemas.microsoft.com/office/powerpoint/2010/main" Requires="p14">
+      <mc:AlternateContent xmlns:mc="http://schemas.openxmlformats.org/markup-compatibility/2006" xmlns:p14="http://schemas.microsoft.com/office/powerpoint/2010/main">
+        <mc:Choice Requires="p14">
           <p:contentPart p14:bwMode="auto" r:id="rId8">
             <p14:nvContentPartPr>
               <p14:cNvPr id="12" name="Tinta 11">
@@ -17907,7 +17908,7 @@
             </p14:xfrm>
           </p:contentPart>
         </mc:Choice>
-        <mc:Fallback>
+        <mc:Fallback xmlns="">
           <p:pic>
             <p:nvPicPr>
               <p:cNvPr id="12" name="Tinta 11">
@@ -17958,8 +17959,8 @@
             <a:chExt cx="474120" cy="444240"/>
           </a:xfrm>
         </p:grpSpPr>
-        <mc:AlternateContent xmlns:mc="http://schemas.openxmlformats.org/markup-compatibility/2006">
-          <mc:Choice xmlns:p14="http://schemas.microsoft.com/office/powerpoint/2010/main" Requires="p14">
+        <mc:AlternateContent xmlns:mc="http://schemas.openxmlformats.org/markup-compatibility/2006" xmlns:p14="http://schemas.microsoft.com/office/powerpoint/2010/main">
+          <mc:Choice Requires="p14">
             <p:contentPart p14:bwMode="auto" r:id="rId10">
               <p14:nvContentPartPr>
                 <p14:cNvPr id="9" name="Tinta 8">
@@ -17978,7 +17979,7 @@
               </p14:xfrm>
             </p:contentPart>
           </mc:Choice>
-          <mc:Fallback>
+          <mc:Fallback xmlns="">
             <p:pic>
               <p:nvPicPr>
                 <p:cNvPr id="9" name="Tinta 8">
@@ -18009,8 +18010,8 @@
             </p:pic>
           </mc:Fallback>
         </mc:AlternateContent>
-        <mc:AlternateContent xmlns:mc="http://schemas.openxmlformats.org/markup-compatibility/2006">
-          <mc:Choice xmlns:p14="http://schemas.microsoft.com/office/powerpoint/2010/main" Requires="p14">
+        <mc:AlternateContent xmlns:mc="http://schemas.openxmlformats.org/markup-compatibility/2006" xmlns:p14="http://schemas.microsoft.com/office/powerpoint/2010/main">
+          <mc:Choice Requires="p14">
             <p:contentPart p14:bwMode="auto" r:id="rId12">
               <p14:nvContentPartPr>
                 <p14:cNvPr id="10" name="Tinta 9">
@@ -18029,7 +18030,7 @@
               </p14:xfrm>
             </p:contentPart>
           </mc:Choice>
-          <mc:Fallback>
+          <mc:Fallback xmlns="">
             <p:pic>
               <p:nvPicPr>
                 <p:cNvPr id="10" name="Tinta 9">
@@ -18060,8 +18061,8 @@
             </p:pic>
           </mc:Fallback>
         </mc:AlternateContent>
-        <mc:AlternateContent xmlns:mc="http://schemas.openxmlformats.org/markup-compatibility/2006">
-          <mc:Choice xmlns:p14="http://schemas.microsoft.com/office/powerpoint/2010/main" Requires="p14">
+        <mc:AlternateContent xmlns:mc="http://schemas.openxmlformats.org/markup-compatibility/2006" xmlns:p14="http://schemas.microsoft.com/office/powerpoint/2010/main">
+          <mc:Choice Requires="p14">
             <p:contentPart p14:bwMode="auto" r:id="rId14">
               <p14:nvContentPartPr>
                 <p14:cNvPr id="13" name="Tinta 12">
@@ -18080,7 +18081,7 @@
               </p14:xfrm>
             </p:contentPart>
           </mc:Choice>
-          <mc:Fallback>
+          <mc:Fallback xmlns="">
             <p:pic>
               <p:nvPicPr>
                 <p:cNvPr id="13" name="Tinta 12">
@@ -18112,8 +18113,8 @@
           </mc:Fallback>
         </mc:AlternateContent>
       </p:grpSp>
-      <mc:AlternateContent xmlns:mc="http://schemas.openxmlformats.org/markup-compatibility/2006">
-        <mc:Choice xmlns:p14="http://schemas.microsoft.com/office/powerpoint/2010/main" Requires="p14">
+      <mc:AlternateContent xmlns:mc="http://schemas.openxmlformats.org/markup-compatibility/2006" xmlns:p14="http://schemas.microsoft.com/office/powerpoint/2010/main">
+        <mc:Choice Requires="p14">
           <p:contentPart p14:bwMode="auto" r:id="rId16">
             <p14:nvContentPartPr>
               <p14:cNvPr id="15" name="Tinta 14">
@@ -18132,7 +18133,7 @@
             </p14:xfrm>
           </p:contentPart>
         </mc:Choice>
-        <mc:Fallback>
+        <mc:Fallback xmlns="">
           <p:pic>
             <p:nvPicPr>
               <p:cNvPr id="15" name="Tinta 14">
@@ -18163,8 +18164,8 @@
           </p:pic>
         </mc:Fallback>
       </mc:AlternateContent>
-      <mc:AlternateContent xmlns:mc="http://schemas.openxmlformats.org/markup-compatibility/2006">
-        <mc:Choice xmlns:p14="http://schemas.microsoft.com/office/powerpoint/2010/main" Requires="p14">
+      <mc:AlternateContent xmlns:mc="http://schemas.openxmlformats.org/markup-compatibility/2006" xmlns:p14="http://schemas.microsoft.com/office/powerpoint/2010/main">
+        <mc:Choice Requires="p14">
           <p:contentPart p14:bwMode="auto" r:id="rId18">
             <p14:nvContentPartPr>
               <p14:cNvPr id="16" name="Tinta 15">
@@ -18183,7 +18184,7 @@
             </p14:xfrm>
           </p:contentPart>
         </mc:Choice>
-        <mc:Fallback>
+        <mc:Fallback xmlns="">
           <p:pic>
             <p:nvPicPr>
               <p:cNvPr id="16" name="Tinta 15">
@@ -18214,8 +18215,8 @@
           </p:pic>
         </mc:Fallback>
       </mc:AlternateContent>
-      <mc:AlternateContent xmlns:mc="http://schemas.openxmlformats.org/markup-compatibility/2006">
-        <mc:Choice xmlns:p14="http://schemas.microsoft.com/office/powerpoint/2010/main" Requires="p14">
+      <mc:AlternateContent xmlns:mc="http://schemas.openxmlformats.org/markup-compatibility/2006" xmlns:p14="http://schemas.microsoft.com/office/powerpoint/2010/main">
+        <mc:Choice Requires="p14">
           <p:contentPart p14:bwMode="auto" r:id="rId20">
             <p14:nvContentPartPr>
               <p14:cNvPr id="17" name="Tinta 16">
@@ -18234,7 +18235,7 @@
             </p14:xfrm>
           </p:contentPart>
         </mc:Choice>
-        <mc:Fallback>
+        <mc:Fallback xmlns="">
           <p:pic>
             <p:nvPicPr>
               <p:cNvPr id="17" name="Tinta 16">
@@ -18265,8 +18266,8 @@
           </p:pic>
         </mc:Fallback>
       </mc:AlternateContent>
-      <mc:AlternateContent xmlns:mc="http://schemas.openxmlformats.org/markup-compatibility/2006">
-        <mc:Choice xmlns:p14="http://schemas.microsoft.com/office/powerpoint/2010/main" Requires="p14">
+      <mc:AlternateContent xmlns:mc="http://schemas.openxmlformats.org/markup-compatibility/2006" xmlns:p14="http://schemas.microsoft.com/office/powerpoint/2010/main">
+        <mc:Choice Requires="p14">
           <p:contentPart p14:bwMode="auto" r:id="rId22">
             <p14:nvContentPartPr>
               <p14:cNvPr id="18" name="Tinta 17">
@@ -18285,7 +18286,7 @@
             </p14:xfrm>
           </p:contentPart>
         </mc:Choice>
-        <mc:Fallback>
+        <mc:Fallback xmlns="">
           <p:pic>
             <p:nvPicPr>
               <p:cNvPr id="18" name="Tinta 17">
@@ -18320,6 +18321,95 @@
     <p:extLst>
       <p:ext uri="{BB962C8B-B14F-4D97-AF65-F5344CB8AC3E}">
         <p14:creationId xmlns:p14="http://schemas.microsoft.com/office/powerpoint/2010/main" val="3877884941"/>
+      </p:ext>
+    </p:extLst>
+  </p:cSld>
+  <p:clrMapOvr>
+    <a:masterClrMapping/>
+  </p:clrMapOvr>
+</p:sld>
+</file>
+
+<file path=ppt/slides/slide19.xml><?xml version="1.0" encoding="utf-8"?>
+<p:sld xmlns:a="http://schemas.openxmlformats.org/drawingml/2006/main" xmlns:r="http://schemas.openxmlformats.org/officeDocument/2006/relationships" xmlns:p="http://schemas.openxmlformats.org/presentationml/2006/main">
+  <p:cSld>
+    <p:spTree>
+      <p:nvGrpSpPr>
+        <p:cNvPr id="1" name=""/>
+        <p:cNvGrpSpPr/>
+        <p:nvPr/>
+      </p:nvGrpSpPr>
+      <p:grpSpPr>
+        <a:xfrm>
+          <a:off x="0" y="0"/>
+          <a:ext cx="0" cy="0"/>
+          <a:chOff x="0" y="0"/>
+          <a:chExt cx="0" cy="0"/>
+        </a:xfrm>
+      </p:grpSpPr>
+      <p:sp>
+        <p:nvSpPr>
+          <p:cNvPr id="2" name="CaixaDeTexto 1">
+            <a:extLst>
+              <a:ext uri="{FF2B5EF4-FFF2-40B4-BE49-F238E27FC236}">
+                <a16:creationId xmlns:a16="http://schemas.microsoft.com/office/drawing/2014/main" id="{58B3AA1C-2F28-6637-436E-A074D0612879}"/>
+              </a:ext>
+            </a:extLst>
+          </p:cNvPr>
+          <p:cNvSpPr txBox="1"/>
+          <p:nvPr/>
+        </p:nvSpPr>
+        <p:spPr>
+          <a:xfrm>
+            <a:off x="484094" y="516367"/>
+            <a:ext cx="11220226" cy="2677656"/>
+          </a:xfrm>
+          <a:prstGeom prst="rect">
+            <a:avLst/>
+          </a:prstGeom>
+          <a:noFill/>
+        </p:spPr>
+        <p:txBody>
+          <a:bodyPr wrap="square" rtlCol="0">
+            <a:spAutoFit/>
+          </a:bodyPr>
+          <a:lstStyle/>
+          <a:p>
+            <a:r>
+              <a:rPr lang="pt-BR" sz="2800" dirty="0"/>
+              <a:t>Atividade: </a:t>
+            </a:r>
+            <a:br>
+              <a:rPr lang="pt-BR" sz="2800" dirty="0"/>
+            </a:br>
+            <a:endParaRPr lang="pt-BR" sz="2800" dirty="0"/>
+          </a:p>
+          <a:p>
+            <a:r>
+              <a:rPr lang="pt-BR" sz="2800" dirty="0"/>
+              <a:t>Criar um sistema de gerenciamento de vendas e controle de estoque para uma PET SHOP. </a:t>
+            </a:r>
+          </a:p>
+          <a:p>
+            <a:endParaRPr lang="pt-BR" sz="2800" dirty="0"/>
+          </a:p>
+          <a:p>
+            <a:r>
+              <a:rPr lang="pt-BR" sz="2800" dirty="0"/>
+              <a:t>Fluxo de caixa e </a:t>
+            </a:r>
+            <a:r>
+              <a:rPr lang="pt-BR" sz="2800"/>
+              <a:t>controle financeiro</a:t>
+            </a:r>
+            <a:endParaRPr lang="pt-BR" sz="2800" dirty="0"/>
+          </a:p>
+        </p:txBody>
+      </p:sp>
+    </p:spTree>
+    <p:extLst>
+      <p:ext uri="{BB962C8B-B14F-4D97-AF65-F5344CB8AC3E}">
+        <p14:creationId xmlns:p14="http://schemas.microsoft.com/office/powerpoint/2010/main" val="3637536384"/>
       </p:ext>
     </p:extLst>
   </p:cSld>
@@ -21288,8 +21378,8 @@
           </a:fontRef>
         </p:style>
       </p:cxnSp>
-      <mc:AlternateContent xmlns:mc="http://schemas.openxmlformats.org/markup-compatibility/2006">
-        <mc:Choice xmlns:p14="http://schemas.microsoft.com/office/powerpoint/2010/main" Requires="p14">
+      <mc:AlternateContent xmlns:mc="http://schemas.openxmlformats.org/markup-compatibility/2006" xmlns:p14="http://schemas.microsoft.com/office/powerpoint/2010/main">
+        <mc:Choice Requires="p14">
           <p:contentPart p14:bwMode="auto" r:id="rId2">
             <p14:nvContentPartPr>
               <p14:cNvPr id="29" name="Tinta 28">
@@ -21308,7 +21398,7 @@
             </p14:xfrm>
           </p:contentPart>
         </mc:Choice>
-        <mc:Fallback>
+        <mc:Fallback xmlns="">
           <p:pic>
             <p:nvPicPr>
               <p:cNvPr id="29" name="Tinta 28">
@@ -21339,8 +21429,8 @@
           </p:pic>
         </mc:Fallback>
       </mc:AlternateContent>
-      <mc:AlternateContent xmlns:mc="http://schemas.openxmlformats.org/markup-compatibility/2006">
-        <mc:Choice xmlns:p14="http://schemas.microsoft.com/office/powerpoint/2010/main" Requires="p14">
+      <mc:AlternateContent xmlns:mc="http://schemas.openxmlformats.org/markup-compatibility/2006" xmlns:p14="http://schemas.microsoft.com/office/powerpoint/2010/main">
+        <mc:Choice Requires="p14">
           <p:contentPart p14:bwMode="auto" r:id="rId4">
             <p14:nvContentPartPr>
               <p14:cNvPr id="31" name="Tinta 30">
@@ -21359,7 +21449,7 @@
             </p14:xfrm>
           </p:contentPart>
         </mc:Choice>
-        <mc:Fallback>
+        <mc:Fallback xmlns="">
           <p:pic>
             <p:nvPicPr>
               <p:cNvPr id="31" name="Tinta 30">
@@ -21410,8 +21500,8 @@
             <a:chExt cx="276120" cy="312120"/>
           </a:xfrm>
         </p:grpSpPr>
-        <mc:AlternateContent xmlns:mc="http://schemas.openxmlformats.org/markup-compatibility/2006">
-          <mc:Choice xmlns:p14="http://schemas.microsoft.com/office/powerpoint/2010/main" Requires="p14">
+        <mc:AlternateContent xmlns:mc="http://schemas.openxmlformats.org/markup-compatibility/2006" xmlns:p14="http://schemas.microsoft.com/office/powerpoint/2010/main">
+          <mc:Choice Requires="p14">
             <p:contentPart p14:bwMode="auto" r:id="rId6">
               <p14:nvContentPartPr>
                 <p14:cNvPr id="33" name="Tinta 32">
@@ -21430,7 +21520,7 @@
               </p14:xfrm>
             </p:contentPart>
           </mc:Choice>
-          <mc:Fallback>
+          <mc:Fallback xmlns="">
             <p:pic>
               <p:nvPicPr>
                 <p:cNvPr id="33" name="Tinta 32">
@@ -21461,8 +21551,8 @@
             </p:pic>
           </mc:Fallback>
         </mc:AlternateContent>
-        <mc:AlternateContent xmlns:mc="http://schemas.openxmlformats.org/markup-compatibility/2006">
-          <mc:Choice xmlns:p14="http://schemas.microsoft.com/office/powerpoint/2010/main" Requires="p14">
+        <mc:AlternateContent xmlns:mc="http://schemas.openxmlformats.org/markup-compatibility/2006" xmlns:p14="http://schemas.microsoft.com/office/powerpoint/2010/main">
+          <mc:Choice Requires="p14">
             <p:contentPart p14:bwMode="auto" r:id="rId8">
               <p14:nvContentPartPr>
                 <p14:cNvPr id="35" name="Tinta 34">
@@ -21481,7 +21571,7 @@
               </p14:xfrm>
             </p:contentPart>
           </mc:Choice>
-          <mc:Fallback>
+          <mc:Fallback xmlns="">
             <p:pic>
               <p:nvPicPr>
                 <p:cNvPr id="35" name="Tinta 34">
@@ -21533,8 +21623,8 @@
             <a:chExt cx="334800" cy="263880"/>
           </a:xfrm>
         </p:grpSpPr>
-        <mc:AlternateContent xmlns:mc="http://schemas.openxmlformats.org/markup-compatibility/2006">
-          <mc:Choice xmlns:p14="http://schemas.microsoft.com/office/powerpoint/2010/main" Requires="p14">
+        <mc:AlternateContent xmlns:mc="http://schemas.openxmlformats.org/markup-compatibility/2006" xmlns:p14="http://schemas.microsoft.com/office/powerpoint/2010/main">
+          <mc:Choice Requires="p14">
             <p:contentPart p14:bwMode="auto" r:id="rId10">
               <p14:nvContentPartPr>
                 <p14:cNvPr id="36" name="Tinta 35">
@@ -21553,7 +21643,7 @@
               </p14:xfrm>
             </p:contentPart>
           </mc:Choice>
-          <mc:Fallback>
+          <mc:Fallback xmlns="">
             <p:pic>
               <p:nvPicPr>
                 <p:cNvPr id="36" name="Tinta 35">
@@ -21584,8 +21674,8 @@
             </p:pic>
           </mc:Fallback>
         </mc:AlternateContent>
-        <mc:AlternateContent xmlns:mc="http://schemas.openxmlformats.org/markup-compatibility/2006">
-          <mc:Choice xmlns:p14="http://schemas.microsoft.com/office/powerpoint/2010/main" Requires="p14">
+        <mc:AlternateContent xmlns:mc="http://schemas.openxmlformats.org/markup-compatibility/2006" xmlns:p14="http://schemas.microsoft.com/office/powerpoint/2010/main">
+          <mc:Choice Requires="p14">
             <p:contentPart p14:bwMode="auto" r:id="rId12">
               <p14:nvContentPartPr>
                 <p14:cNvPr id="38" name="Tinta 37">
@@ -21604,7 +21694,7 @@
               </p14:xfrm>
             </p:contentPart>
           </mc:Choice>
-          <mc:Fallback>
+          <mc:Fallback xmlns="">
             <p:pic>
               <p:nvPicPr>
                 <p:cNvPr id="38" name="Tinta 37">
@@ -21636,8 +21726,8 @@
           </mc:Fallback>
         </mc:AlternateContent>
       </p:grpSp>
-      <mc:AlternateContent xmlns:mc="http://schemas.openxmlformats.org/markup-compatibility/2006">
-        <mc:Choice xmlns:p14="http://schemas.microsoft.com/office/powerpoint/2010/main" Requires="p14">
+      <mc:AlternateContent xmlns:mc="http://schemas.openxmlformats.org/markup-compatibility/2006" xmlns:p14="http://schemas.microsoft.com/office/powerpoint/2010/main">
+        <mc:Choice Requires="p14">
           <p:contentPart p14:bwMode="auto" r:id="rId14">
             <p14:nvContentPartPr>
               <p14:cNvPr id="40" name="Tinta 39">
@@ -21656,7 +21746,7 @@
             </p14:xfrm>
           </p:contentPart>
         </mc:Choice>
-        <mc:Fallback>
+        <mc:Fallback xmlns="">
           <p:pic>
             <p:nvPicPr>
               <p:cNvPr id="40" name="Tinta 39">
@@ -21687,8 +21777,8 @@
           </p:pic>
         </mc:Fallback>
       </mc:AlternateContent>
-      <mc:AlternateContent xmlns:mc="http://schemas.openxmlformats.org/markup-compatibility/2006">
-        <mc:Choice xmlns:p14="http://schemas.microsoft.com/office/powerpoint/2010/main" Requires="p14">
+      <mc:AlternateContent xmlns:mc="http://schemas.openxmlformats.org/markup-compatibility/2006" xmlns:p14="http://schemas.microsoft.com/office/powerpoint/2010/main">
+        <mc:Choice Requires="p14">
           <p:contentPart p14:bwMode="auto" r:id="rId16">
             <p14:nvContentPartPr>
               <p14:cNvPr id="44" name="Tinta 43">
@@ -21707,7 +21797,7 @@
             </p14:xfrm>
           </p:contentPart>
         </mc:Choice>
-        <mc:Fallback>
+        <mc:Fallback xmlns="">
           <p:pic>
             <p:nvPicPr>
               <p:cNvPr id="44" name="Tinta 43">
@@ -21758,8 +21848,8 @@
             <a:chExt cx="334800" cy="330480"/>
           </a:xfrm>
         </p:grpSpPr>
-        <mc:AlternateContent xmlns:mc="http://schemas.openxmlformats.org/markup-compatibility/2006">
-          <mc:Choice xmlns:p14="http://schemas.microsoft.com/office/powerpoint/2010/main" Requires="p14">
+        <mc:AlternateContent xmlns:mc="http://schemas.openxmlformats.org/markup-compatibility/2006" xmlns:p14="http://schemas.microsoft.com/office/powerpoint/2010/main">
+          <mc:Choice Requires="p14">
             <p:contentPart p14:bwMode="auto" r:id="rId18">
               <p14:nvContentPartPr>
                 <p14:cNvPr id="41" name="Tinta 40">
@@ -21778,7 +21868,7 @@
               </p14:xfrm>
             </p:contentPart>
           </mc:Choice>
-          <mc:Fallback>
+          <mc:Fallback xmlns="">
             <p:pic>
               <p:nvPicPr>
                 <p:cNvPr id="41" name="Tinta 40">
@@ -21809,8 +21899,8 @@
             </p:pic>
           </mc:Fallback>
         </mc:AlternateContent>
-        <mc:AlternateContent xmlns:mc="http://schemas.openxmlformats.org/markup-compatibility/2006">
-          <mc:Choice xmlns:p14="http://schemas.microsoft.com/office/powerpoint/2010/main" Requires="p14">
+        <mc:AlternateContent xmlns:mc="http://schemas.openxmlformats.org/markup-compatibility/2006" xmlns:p14="http://schemas.microsoft.com/office/powerpoint/2010/main">
+          <mc:Choice Requires="p14">
             <p:contentPart p14:bwMode="auto" r:id="rId20">
               <p14:nvContentPartPr>
                 <p14:cNvPr id="42" name="Tinta 41">
@@ -21829,7 +21919,7 @@
               </p14:xfrm>
             </p:contentPart>
           </mc:Choice>
-          <mc:Fallback>
+          <mc:Fallback xmlns="">
             <p:pic>
               <p:nvPicPr>
                 <p:cNvPr id="42" name="Tinta 41">
@@ -21860,8 +21950,8 @@
             </p:pic>
           </mc:Fallback>
         </mc:AlternateContent>
-        <mc:AlternateContent xmlns:mc="http://schemas.openxmlformats.org/markup-compatibility/2006">
-          <mc:Choice xmlns:p14="http://schemas.microsoft.com/office/powerpoint/2010/main" Requires="p14">
+        <mc:AlternateContent xmlns:mc="http://schemas.openxmlformats.org/markup-compatibility/2006" xmlns:p14="http://schemas.microsoft.com/office/powerpoint/2010/main">
+          <mc:Choice Requires="p14">
             <p:contentPart p14:bwMode="auto" r:id="rId22">
               <p14:nvContentPartPr>
                 <p14:cNvPr id="45" name="Tinta 44">
@@ -21880,7 +21970,7 @@
               </p14:xfrm>
             </p:contentPart>
           </mc:Choice>
-          <mc:Fallback>
+          <mc:Fallback xmlns="">
             <p:pic>
               <p:nvPicPr>
                 <p:cNvPr id="45" name="Tinta 44">
@@ -21912,8 +22002,8 @@
           </mc:Fallback>
         </mc:AlternateContent>
       </p:grpSp>
-      <mc:AlternateContent xmlns:mc="http://schemas.openxmlformats.org/markup-compatibility/2006">
-        <mc:Choice xmlns:p14="http://schemas.microsoft.com/office/powerpoint/2010/main" Requires="p14">
+      <mc:AlternateContent xmlns:mc="http://schemas.openxmlformats.org/markup-compatibility/2006" xmlns:p14="http://schemas.microsoft.com/office/powerpoint/2010/main">
+        <mc:Choice Requires="p14">
           <p:contentPart p14:bwMode="auto" r:id="rId24">
             <p14:nvContentPartPr>
               <p14:cNvPr id="47" name="Tinta 46">
@@ -21932,7 +22022,7 @@
             </p14:xfrm>
           </p:contentPart>
         </mc:Choice>
-        <mc:Fallback>
+        <mc:Fallback xmlns="">
           <p:pic>
             <p:nvPicPr>
               <p:cNvPr id="47" name="Tinta 46">
@@ -21963,8 +22053,8 @@
           </p:pic>
         </mc:Fallback>
       </mc:AlternateContent>
-      <mc:AlternateContent xmlns:mc="http://schemas.openxmlformats.org/markup-compatibility/2006">
-        <mc:Choice xmlns:p14="http://schemas.microsoft.com/office/powerpoint/2010/main" Requires="p14">
+      <mc:AlternateContent xmlns:mc="http://schemas.openxmlformats.org/markup-compatibility/2006" xmlns:p14="http://schemas.microsoft.com/office/powerpoint/2010/main">
+        <mc:Choice Requires="p14">
           <p:contentPart p14:bwMode="auto" r:id="rId26">
             <p14:nvContentPartPr>
               <p14:cNvPr id="48" name="Tinta 47">
@@ -21983,7 +22073,7 @@
             </p14:xfrm>
           </p:contentPart>
         </mc:Choice>
-        <mc:Fallback>
+        <mc:Fallback xmlns="">
           <p:pic>
             <p:nvPicPr>
               <p:cNvPr id="48" name="Tinta 47">
@@ -22014,8 +22104,8 @@
           </p:pic>
         </mc:Fallback>
       </mc:AlternateContent>
-      <mc:AlternateContent xmlns:mc="http://schemas.openxmlformats.org/markup-compatibility/2006">
-        <mc:Choice xmlns:p14="http://schemas.microsoft.com/office/powerpoint/2010/main" Requires="p14">
+      <mc:AlternateContent xmlns:mc="http://schemas.openxmlformats.org/markup-compatibility/2006" xmlns:p14="http://schemas.microsoft.com/office/powerpoint/2010/main">
+        <mc:Choice Requires="p14">
           <p:contentPart p14:bwMode="auto" r:id="rId28">
             <p14:nvContentPartPr>
               <p14:cNvPr id="49" name="Tinta 48">
@@ -22034,7 +22124,7 @@
             </p14:xfrm>
           </p:contentPart>
         </mc:Choice>
-        <mc:Fallback>
+        <mc:Fallback xmlns="">
           <p:pic>
             <p:nvPicPr>
               <p:cNvPr id="49" name="Tinta 48">
@@ -22085,8 +22175,8 @@
             <a:chExt cx="291600" cy="353520"/>
           </a:xfrm>
         </p:grpSpPr>
-        <mc:AlternateContent xmlns:mc="http://schemas.openxmlformats.org/markup-compatibility/2006">
-          <mc:Choice xmlns:p14="http://schemas.microsoft.com/office/powerpoint/2010/main" Requires="p14">
+        <mc:AlternateContent xmlns:mc="http://schemas.openxmlformats.org/markup-compatibility/2006" xmlns:p14="http://schemas.microsoft.com/office/powerpoint/2010/main">
+          <mc:Choice Requires="p14">
             <p:contentPart p14:bwMode="auto" r:id="rId30">
               <p14:nvContentPartPr>
                 <p14:cNvPr id="50" name="Tinta 49">
@@ -22105,7 +22195,7 @@
               </p14:xfrm>
             </p:contentPart>
           </mc:Choice>
-          <mc:Fallback>
+          <mc:Fallback xmlns="">
             <p:pic>
               <p:nvPicPr>
                 <p:cNvPr id="50" name="Tinta 49">
@@ -22136,8 +22226,8 @@
             </p:pic>
           </mc:Fallback>
         </mc:AlternateContent>
-        <mc:AlternateContent xmlns:mc="http://schemas.openxmlformats.org/markup-compatibility/2006">
-          <mc:Choice xmlns:p14="http://schemas.microsoft.com/office/powerpoint/2010/main" Requires="p14">
+        <mc:AlternateContent xmlns:mc="http://schemas.openxmlformats.org/markup-compatibility/2006" xmlns:p14="http://schemas.microsoft.com/office/powerpoint/2010/main">
+          <mc:Choice Requires="p14">
             <p:contentPart p14:bwMode="auto" r:id="rId32">
               <p14:nvContentPartPr>
                 <p14:cNvPr id="51" name="Tinta 50">
@@ -22156,7 +22246,7 @@
               </p14:xfrm>
             </p:contentPart>
           </mc:Choice>
-          <mc:Fallback>
+          <mc:Fallback xmlns="">
             <p:pic>
               <p:nvPicPr>
                 <p:cNvPr id="51" name="Tinta 50">
@@ -22208,8 +22298,8 @@
             <a:chExt cx="270000" cy="312480"/>
           </a:xfrm>
         </p:grpSpPr>
-        <mc:AlternateContent xmlns:mc="http://schemas.openxmlformats.org/markup-compatibility/2006">
-          <mc:Choice xmlns:p14="http://schemas.microsoft.com/office/powerpoint/2010/main" Requires="p14">
+        <mc:AlternateContent xmlns:mc="http://schemas.openxmlformats.org/markup-compatibility/2006" xmlns:p14="http://schemas.microsoft.com/office/powerpoint/2010/main">
+          <mc:Choice Requires="p14">
             <p:contentPart p14:bwMode="auto" r:id="rId34">
               <p14:nvContentPartPr>
                 <p14:cNvPr id="53" name="Tinta 52">
@@ -22228,7 +22318,7 @@
               </p14:xfrm>
             </p:contentPart>
           </mc:Choice>
-          <mc:Fallback>
+          <mc:Fallback xmlns="">
             <p:pic>
               <p:nvPicPr>
                 <p:cNvPr id="53" name="Tinta 52">
@@ -22259,8 +22349,8 @@
             </p:pic>
           </mc:Fallback>
         </mc:AlternateContent>
-        <mc:AlternateContent xmlns:mc="http://schemas.openxmlformats.org/markup-compatibility/2006">
-          <mc:Choice xmlns:p14="http://schemas.microsoft.com/office/powerpoint/2010/main" Requires="p14">
+        <mc:AlternateContent xmlns:mc="http://schemas.openxmlformats.org/markup-compatibility/2006" xmlns:p14="http://schemas.microsoft.com/office/powerpoint/2010/main">
+          <mc:Choice Requires="p14">
             <p:contentPart p14:bwMode="auto" r:id="rId36">
               <p14:nvContentPartPr>
                 <p14:cNvPr id="54" name="Tinta 53">
@@ -22279,7 +22369,7 @@
               </p14:xfrm>
             </p:contentPart>
           </mc:Choice>
-          <mc:Fallback>
+          <mc:Fallback xmlns="">
             <p:pic>
               <p:nvPicPr>
                 <p:cNvPr id="54" name="Tinta 53">
@@ -22311,8 +22401,8 @@
           </mc:Fallback>
         </mc:AlternateContent>
       </p:grpSp>
-      <mc:AlternateContent xmlns:mc="http://schemas.openxmlformats.org/markup-compatibility/2006">
-        <mc:Choice xmlns:p14="http://schemas.microsoft.com/office/powerpoint/2010/main" Requires="p14">
+      <mc:AlternateContent xmlns:mc="http://schemas.openxmlformats.org/markup-compatibility/2006" xmlns:p14="http://schemas.microsoft.com/office/powerpoint/2010/main">
+        <mc:Choice Requires="p14">
           <p:contentPart p14:bwMode="auto" r:id="rId38">
             <p14:nvContentPartPr>
               <p14:cNvPr id="56" name="Tinta 55">
@@ -22331,7 +22421,7 @@
             </p14:xfrm>
           </p:contentPart>
         </mc:Choice>
-        <mc:Fallback>
+        <mc:Fallback xmlns="">
           <p:pic>
             <p:nvPicPr>
               <p:cNvPr id="56" name="Tinta 55">
@@ -22362,8 +22452,8 @@
           </p:pic>
         </mc:Fallback>
       </mc:AlternateContent>
-      <mc:AlternateContent xmlns:mc="http://schemas.openxmlformats.org/markup-compatibility/2006">
-        <mc:Choice xmlns:p14="http://schemas.microsoft.com/office/powerpoint/2010/main" Requires="p14">
+      <mc:AlternateContent xmlns:mc="http://schemas.openxmlformats.org/markup-compatibility/2006" xmlns:p14="http://schemas.microsoft.com/office/powerpoint/2010/main">
+        <mc:Choice Requires="p14">
           <p:contentPart p14:bwMode="auto" r:id="rId40">
             <p14:nvContentPartPr>
               <p14:cNvPr id="57" name="Tinta 56">
@@ -22382,7 +22472,7 @@
             </p14:xfrm>
           </p:contentPart>
         </mc:Choice>
-        <mc:Fallback>
+        <mc:Fallback xmlns="">
           <p:pic>
             <p:nvPicPr>
               <p:cNvPr id="57" name="Tinta 56">
@@ -22433,8 +22523,8 @@
             <a:chExt cx="476280" cy="329760"/>
           </a:xfrm>
         </p:grpSpPr>
-        <mc:AlternateContent xmlns:mc="http://schemas.openxmlformats.org/markup-compatibility/2006">
-          <mc:Choice xmlns:p14="http://schemas.microsoft.com/office/powerpoint/2010/main" Requires="p14">
+        <mc:AlternateContent xmlns:mc="http://schemas.openxmlformats.org/markup-compatibility/2006" xmlns:p14="http://schemas.microsoft.com/office/powerpoint/2010/main">
+          <mc:Choice Requires="p14">
             <p:contentPart p14:bwMode="auto" r:id="rId42">
               <p14:nvContentPartPr>
                 <p14:cNvPr id="58" name="Tinta 57">
@@ -22453,7 +22543,7 @@
               </p14:xfrm>
             </p:contentPart>
           </mc:Choice>
-          <mc:Fallback>
+          <mc:Fallback xmlns="">
             <p:pic>
               <p:nvPicPr>
                 <p:cNvPr id="58" name="Tinta 57">
@@ -22484,8 +22574,8 @@
             </p:pic>
           </mc:Fallback>
         </mc:AlternateContent>
-        <mc:AlternateContent xmlns:mc="http://schemas.openxmlformats.org/markup-compatibility/2006">
-          <mc:Choice xmlns:p14="http://schemas.microsoft.com/office/powerpoint/2010/main" Requires="p14">
+        <mc:AlternateContent xmlns:mc="http://schemas.openxmlformats.org/markup-compatibility/2006" xmlns:p14="http://schemas.microsoft.com/office/powerpoint/2010/main">
+          <mc:Choice Requires="p14">
             <p:contentPart p14:bwMode="auto" r:id="rId44">
               <p14:nvContentPartPr>
                 <p14:cNvPr id="59" name="Tinta 58">
@@ -22504,7 +22594,7 @@
               </p14:xfrm>
             </p:contentPart>
           </mc:Choice>
-          <mc:Fallback>
+          <mc:Fallback xmlns="">
             <p:pic>
               <p:nvPicPr>
                 <p:cNvPr id="59" name="Tinta 58">
@@ -22535,8 +22625,8 @@
             </p:pic>
           </mc:Fallback>
         </mc:AlternateContent>
-        <mc:AlternateContent xmlns:mc="http://schemas.openxmlformats.org/markup-compatibility/2006">
-          <mc:Choice xmlns:p14="http://schemas.microsoft.com/office/powerpoint/2010/main" Requires="p14">
+        <mc:AlternateContent xmlns:mc="http://schemas.openxmlformats.org/markup-compatibility/2006" xmlns:p14="http://schemas.microsoft.com/office/powerpoint/2010/main">
+          <mc:Choice Requires="p14">
             <p:contentPart p14:bwMode="auto" r:id="rId46">
               <p14:nvContentPartPr>
                 <p14:cNvPr id="61" name="Tinta 60">
@@ -22555,7 +22645,7 @@
               </p14:xfrm>
             </p:contentPart>
           </mc:Choice>
-          <mc:Fallback>
+          <mc:Fallback xmlns="">
             <p:pic>
               <p:nvPicPr>
                 <p:cNvPr id="61" name="Tinta 60">
@@ -22607,8 +22697,8 @@
             <a:chExt cx="261360" cy="300240"/>
           </a:xfrm>
         </p:grpSpPr>
-        <mc:AlternateContent xmlns:mc="http://schemas.openxmlformats.org/markup-compatibility/2006">
-          <mc:Choice xmlns:p14="http://schemas.microsoft.com/office/powerpoint/2010/main" Requires="p14">
+        <mc:AlternateContent xmlns:mc="http://schemas.openxmlformats.org/markup-compatibility/2006" xmlns:p14="http://schemas.microsoft.com/office/powerpoint/2010/main">
+          <mc:Choice Requires="p14">
             <p:contentPart p14:bwMode="auto" r:id="rId48">
               <p14:nvContentPartPr>
                 <p14:cNvPr id="63" name="Tinta 62">
@@ -22627,7 +22717,7 @@
               </p14:xfrm>
             </p:contentPart>
           </mc:Choice>
-          <mc:Fallback>
+          <mc:Fallback xmlns="">
             <p:pic>
               <p:nvPicPr>
                 <p:cNvPr id="63" name="Tinta 62">
@@ -22658,8 +22748,8 @@
             </p:pic>
           </mc:Fallback>
         </mc:AlternateContent>
-        <mc:AlternateContent xmlns:mc="http://schemas.openxmlformats.org/markup-compatibility/2006">
-          <mc:Choice xmlns:p14="http://schemas.microsoft.com/office/powerpoint/2010/main" Requires="p14">
+        <mc:AlternateContent xmlns:mc="http://schemas.openxmlformats.org/markup-compatibility/2006" xmlns:p14="http://schemas.microsoft.com/office/powerpoint/2010/main">
+          <mc:Choice Requires="p14">
             <p:contentPart p14:bwMode="auto" r:id="rId50">
               <p14:nvContentPartPr>
                 <p14:cNvPr id="64" name="Tinta 63">
@@ -22678,7 +22768,7 @@
               </p14:xfrm>
             </p:contentPart>
           </mc:Choice>
-          <mc:Fallback>
+          <mc:Fallback xmlns="">
             <p:pic>
               <p:nvPicPr>
                 <p:cNvPr id="64" name="Tinta 63">
@@ -22710,8 +22800,8 @@
           </mc:Fallback>
         </mc:AlternateContent>
       </p:grpSp>
-      <mc:AlternateContent xmlns:mc="http://schemas.openxmlformats.org/markup-compatibility/2006">
-        <mc:Choice xmlns:p14="http://schemas.microsoft.com/office/powerpoint/2010/main" Requires="p14">
+      <mc:AlternateContent xmlns:mc="http://schemas.openxmlformats.org/markup-compatibility/2006" xmlns:p14="http://schemas.microsoft.com/office/powerpoint/2010/main">
+        <mc:Choice Requires="p14">
           <p:contentPart p14:bwMode="auto" r:id="rId52">
             <p14:nvContentPartPr>
               <p14:cNvPr id="66" name="Tinta 65">
@@ -22730,7 +22820,7 @@
             </p14:xfrm>
           </p:contentPart>
         </mc:Choice>
-        <mc:Fallback>
+        <mc:Fallback xmlns="">
           <p:pic>
             <p:nvPicPr>
               <p:cNvPr id="66" name="Tinta 65">
@@ -22781,8 +22871,8 @@
             <a:chExt cx="412920" cy="247680"/>
           </a:xfrm>
         </p:grpSpPr>
-        <mc:AlternateContent xmlns:mc="http://schemas.openxmlformats.org/markup-compatibility/2006">
-          <mc:Choice xmlns:p14="http://schemas.microsoft.com/office/powerpoint/2010/main" Requires="p14">
+        <mc:AlternateContent xmlns:mc="http://schemas.openxmlformats.org/markup-compatibility/2006" xmlns:p14="http://schemas.microsoft.com/office/powerpoint/2010/main">
+          <mc:Choice Requires="p14">
             <p:contentPart p14:bwMode="auto" r:id="rId54">
               <p14:nvContentPartPr>
                 <p14:cNvPr id="67" name="Tinta 66">
@@ -22801,7 +22891,7 @@
               </p14:xfrm>
             </p:contentPart>
           </mc:Choice>
-          <mc:Fallback>
+          <mc:Fallback xmlns="">
             <p:pic>
               <p:nvPicPr>
                 <p:cNvPr id="67" name="Tinta 66">
@@ -22832,8 +22922,8 @@
             </p:pic>
           </mc:Fallback>
         </mc:AlternateContent>
-        <mc:AlternateContent xmlns:mc="http://schemas.openxmlformats.org/markup-compatibility/2006">
-          <mc:Choice xmlns:p14="http://schemas.microsoft.com/office/powerpoint/2010/main" Requires="p14">
+        <mc:AlternateContent xmlns:mc="http://schemas.openxmlformats.org/markup-compatibility/2006" xmlns:p14="http://schemas.microsoft.com/office/powerpoint/2010/main">
+          <mc:Choice Requires="p14">
             <p:contentPart p14:bwMode="auto" r:id="rId56">
               <p14:nvContentPartPr>
                 <p14:cNvPr id="68" name="Tinta 67">
@@ -22852,7 +22942,7 @@
               </p14:xfrm>
             </p:contentPart>
           </mc:Choice>
-          <mc:Fallback>
+          <mc:Fallback xmlns="">
             <p:pic>
               <p:nvPicPr>
                 <p:cNvPr id="68" name="Tinta 67">
@@ -22883,8 +22973,8 @@
             </p:pic>
           </mc:Fallback>
         </mc:AlternateContent>
-        <mc:AlternateContent xmlns:mc="http://schemas.openxmlformats.org/markup-compatibility/2006">
-          <mc:Choice xmlns:p14="http://schemas.microsoft.com/office/powerpoint/2010/main" Requires="p14">
+        <mc:AlternateContent xmlns:mc="http://schemas.openxmlformats.org/markup-compatibility/2006" xmlns:p14="http://schemas.microsoft.com/office/powerpoint/2010/main">
+          <mc:Choice Requires="p14">
             <p:contentPart p14:bwMode="auto" r:id="rId58">
               <p14:nvContentPartPr>
                 <p14:cNvPr id="69" name="Tinta 68">
@@ -22903,7 +22993,7 @@
               </p14:xfrm>
             </p:contentPart>
           </mc:Choice>
-          <mc:Fallback>
+          <mc:Fallback xmlns="">
             <p:pic>
               <p:nvPicPr>
                 <p:cNvPr id="69" name="Tinta 68">
@@ -22955,8 +23045,8 @@
             <a:chExt cx="178200" cy="326160"/>
           </a:xfrm>
         </p:grpSpPr>
-        <mc:AlternateContent xmlns:mc="http://schemas.openxmlformats.org/markup-compatibility/2006">
-          <mc:Choice xmlns:p14="http://schemas.microsoft.com/office/powerpoint/2010/main" Requires="p14">
+        <mc:AlternateContent xmlns:mc="http://schemas.openxmlformats.org/markup-compatibility/2006" xmlns:p14="http://schemas.microsoft.com/office/powerpoint/2010/main">
+          <mc:Choice Requires="p14">
             <p:contentPart p14:bwMode="auto" r:id="rId60">
               <p14:nvContentPartPr>
                 <p14:cNvPr id="71" name="Tinta 70">
@@ -22975,7 +23065,7 @@
               </p14:xfrm>
             </p:contentPart>
           </mc:Choice>
-          <mc:Fallback>
+          <mc:Fallback xmlns="">
             <p:pic>
               <p:nvPicPr>
                 <p:cNvPr id="71" name="Tinta 70">
@@ -23006,8 +23096,8 @@
             </p:pic>
           </mc:Fallback>
         </mc:AlternateContent>
-        <mc:AlternateContent xmlns:mc="http://schemas.openxmlformats.org/markup-compatibility/2006">
-          <mc:Choice xmlns:p14="http://schemas.microsoft.com/office/powerpoint/2010/main" Requires="p14">
+        <mc:AlternateContent xmlns:mc="http://schemas.openxmlformats.org/markup-compatibility/2006" xmlns:p14="http://schemas.microsoft.com/office/powerpoint/2010/main">
+          <mc:Choice Requires="p14">
             <p:contentPart p14:bwMode="auto" r:id="rId62">
               <p14:nvContentPartPr>
                 <p14:cNvPr id="72" name="Tinta 71">
@@ -23026,7 +23116,7 @@
               </p14:xfrm>
             </p:contentPart>
           </mc:Choice>
-          <mc:Fallback>
+          <mc:Fallback xmlns="">
             <p:pic>
               <p:nvPicPr>
                 <p:cNvPr id="72" name="Tinta 71">
